--- a/web/separate_stub_compilation.pptx
+++ b/web/separate_stub_compilation.pptx
@@ -1,18 +1,177 @@
 
 <file path=ppt/presentation.xml><?xml version="1.0" encoding="utf-8"?>
-<p:presentation xmlns:a="http://schemas.openxmlformats.org/drawingml/2006/3/main" xmlns:r="http://schemas.openxmlformats.org/officeDocument/2006/relationships" xmlns:p="http://schemas.openxmlformats.org/presentationml/2006/3/main" serverZoom="57083" saveSubsetFonts="1">
+<p:presentation xmlns:a="http://schemas.openxmlformats.org/drawingml/2006/3/main" xmlns:r="http://schemas.openxmlformats.org/officeDocument/2006/relationships" xmlns:p="http://schemas.openxmlformats.org/presentationml/2006/3/main" saveSubsetFonts="1">
   <p:sldMasterIdLst>
     <p:sldMasterId r:id="rId1"/>
   </p:sldMasterIdLst>
   <p:notesMasterIdLst>
     <p:notesMasterId r:id="rId3"/>
   </p:notesMasterIdLst>
+  <p:handoutMasterIdLst>
+    <p:handoutMasterId r:id="rId4"/>
+  </p:handoutMasterIdLst>
   <p:sldIdLst>
     <p:sldId id="256" r:id="rId2"/>
   </p:sldIdLst>
-  <p:sldSz cx="9144000" cy="6858000" type="screen4x3"/>
-  <p:notesSz cx="6858000" cy="9144000"/>
+  <p:sldSz cx="10801350" cy="9001125"/>
+  <p:notesSz cx="7315200" cy="9601200"/>
 </p:presentation>
+</file>
+
+<file path=ppt/handoutMasters/handoutMaster1.xml><?xml version="1.0" encoding="utf-8"?>
+<p:handoutMaster xmlns:a="http://schemas.openxmlformats.org/drawingml/2006/3/main" xmlns:r="http://schemas.openxmlformats.org/officeDocument/2006/relationships" xmlns:p="http://schemas.openxmlformats.org/presentationml/2006/3/main">
+  <p:cSld>
+    <p:bgRef idx="1001">
+      <a:schemeClr val="bg1"/>
+    </p:bgRef>
+    <p:spTree>
+      <p:nvGrpSpPr>
+        <p:cNvPr id="1" name=""/>
+        <p:cNvGrpSpPr/>
+        <p:nvPr/>
+      </p:nvGrpSpPr>
+      <p:grpSpPr>
+        <a:xfrm>
+          <a:off x="0" y="0"/>
+          <a:ext cx="0" cy="0"/>
+          <a:chOff x="0" y="0"/>
+          <a:chExt cx="0" cy="0"/>
+        </a:xfrm>
+      </p:grpSpPr>
+      <p:sp>
+        <p:nvSpPr>
+          <p:cNvPr id="2" name="Rectangle 1"/>
+          <p:cNvSpPr>
+            <a:spLocks noGrp="1"/>
+          </p:cNvSpPr>
+          <p:nvPr>
+            <p:ph type="hdr" sz="quarter"/>
+          </p:nvPr>
+        </p:nvSpPr>
+        <p:spPr>
+          <a:xfrm>
+            <a:off x="0" y="0"/>
+            <a:ext cx="3169920" cy="480060"/>
+          </a:xfrm>
+          <a:prstGeom prst="rect">
+            <a:avLst/>
+          </a:prstGeom>
+        </p:spPr>
+        <p:txBody>
+          <a:bodyPr vert="horz" rtlCol="0"/>
+          <a:lstStyle>
+            <a:lvl1pPr algn="l">
+              <a:defRPr sz="1200"/>
+            </a:lvl1pPr>
+          </a:lstStyle>
+          <a:p>
+            <a:endParaRPr lang="pl-PL"/>
+          </a:p>
+        </p:txBody>
+      </p:sp>
+      <p:sp>
+        <p:nvSpPr>
+          <p:cNvPr id="3" name="Rectangle 2"/>
+          <p:cNvSpPr>
+            <a:spLocks noGrp="1"/>
+          </p:cNvSpPr>
+          <p:nvPr>
+            <p:ph type="dt" sz="quarter" idx="1"/>
+          </p:nvPr>
+        </p:nvSpPr>
+        <p:spPr>
+          <a:xfrm>
+            <a:off x="4143587" y="0"/>
+            <a:ext cx="3169920" cy="480060"/>
+          </a:xfrm>
+          <a:prstGeom prst="rect">
+            <a:avLst/>
+          </a:prstGeom>
+        </p:spPr>
+        <p:txBody>
+          <a:bodyPr vert="horz" rtlCol="0"/>
+          <a:lstStyle>
+            <a:lvl1pPr algn="r">
+              <a:defRPr sz="1200"/>
+            </a:lvl1pPr>
+          </a:lstStyle>
+          <a:p>
+            <a:fld id="{27910E87-4CF2-470F-986E-81E2597256A3}" type="datetimeFigureOut">
+              <a:rPr lang="pl-PL" smtClean="0"/>
+            </a:fld>
+            <a:endParaRPr lang="pl-PL"/>
+          </a:p>
+        </p:txBody>
+      </p:sp>
+      <p:sp>
+        <p:nvSpPr>
+          <p:cNvPr id="4" name="Rectangle 3"/>
+          <p:cNvSpPr>
+            <a:spLocks noGrp="1"/>
+          </p:cNvSpPr>
+          <p:nvPr>
+            <p:ph type="ftr" sz="quarter" idx="2"/>
+          </p:nvPr>
+        </p:nvSpPr>
+        <p:spPr>
+          <a:xfrm>
+            <a:off x="0" y="9119474"/>
+            <a:ext cx="3169920" cy="480060"/>
+          </a:xfrm>
+          <a:prstGeom prst="rect">
+            <a:avLst/>
+          </a:prstGeom>
+        </p:spPr>
+        <p:txBody>
+          <a:bodyPr vert="horz" rtlCol="0" anchor="b"/>
+          <a:lstStyle>
+            <a:lvl1pPr algn="l">
+              <a:defRPr sz="1200"/>
+            </a:lvl1pPr>
+          </a:lstStyle>
+          <a:p>
+            <a:endParaRPr lang="pl-PL"/>
+          </a:p>
+        </p:txBody>
+      </p:sp>
+      <p:sp>
+        <p:nvSpPr>
+          <p:cNvPr id="5" name="Rectangle 4"/>
+          <p:cNvSpPr>
+            <a:spLocks noGrp="1"/>
+          </p:cNvSpPr>
+          <p:nvPr>
+            <p:ph type="sldNum" sz="quarter" idx="3"/>
+          </p:nvPr>
+        </p:nvSpPr>
+        <p:spPr>
+          <a:xfrm>
+            <a:off x="4143587" y="9119474"/>
+            <a:ext cx="3169920" cy="480060"/>
+          </a:xfrm>
+          <a:prstGeom prst="rect">
+            <a:avLst/>
+          </a:prstGeom>
+        </p:spPr>
+        <p:txBody>
+          <a:bodyPr vert="horz" rtlCol="0" anchor="b"/>
+          <a:lstStyle>
+            <a:lvl1pPr algn="r">
+              <a:defRPr sz="1200"/>
+            </a:lvl1pPr>
+          </a:lstStyle>
+          <a:p>
+            <a:fld id="{B445501F-55D1-4869-BF03-45626C3EFDCB}" type="slidenum">
+              <a:rPr lang="pl-PL" smtClean="0"/>
+            </a:fld>
+            <a:endParaRPr lang="pl-PL"/>
+          </a:p>
+        </p:txBody>
+      </p:sp>
+    </p:spTree>
+  </p:cSld>
+  <p:clrMap bg1="lt1" tx1="dk1" bg2="lt2" tx2="dk2" accent1="accent1" accent2="accent2" accent3="accent3" accent4="accent4" accent5="accent5" accent6="accent6" hlink="hlink" folHlink="folHlink"/>
+</p:handoutMaster>
 </file>
 
 <file path=ppt/notesMasters/notesMaster1.xml><?xml version="1.0" encoding="utf-8"?>
@@ -48,7 +207,7 @@
         <p:spPr>
           <a:xfrm>
             <a:off x="0" y="0"/>
-            <a:ext cx="2971800" cy="457200"/>
+            <a:ext cx="3169920" cy="480060"/>
           </a:xfrm>
           <a:prstGeom prst="rect">
             <a:avLst/>
@@ -78,8 +237,8 @@
         </p:nvSpPr>
         <p:spPr>
           <a:xfrm>
-            <a:off x="3884613" y="0"/>
-            <a:ext cx="2971800" cy="457200"/>
+            <a:off x="4143587" y="0"/>
+            <a:ext cx="3169920" cy="480060"/>
           </a:xfrm>
           <a:prstGeom prst="rect">
             <a:avLst/>
@@ -93,7 +252,7 @@
             </a:lvl1pPr>
           </a:lstStyle>
           <a:p>
-            <a:fld id="{BAD47DAA-F610-4D29-9912-DDCFDBFEC688}" type="datetimeFigureOut">
+            <a:fld id="{8A572E8F-EDDF-47DD-BBF1-99F4CABD231C}" type="datetimeFigureOut">
               <a:rPr lang="pl-PL" smtClean="0"/>
             </a:fld>
             <a:endParaRPr lang="pl-PL"/>
@@ -112,8 +271,8 @@
         </p:nvSpPr>
         <p:spPr>
           <a:xfrm>
-            <a:off x="1143000" y="685800"/>
-            <a:ext cx="4572000" cy="3429000"/>
+            <a:off x="1463040" y="720090"/>
+            <a:ext cx="4389120" cy="3600450"/>
           </a:xfrm>
           <a:prstGeom prst="rect">
             <a:avLst/>
@@ -145,8 +304,8 @@
         </p:nvSpPr>
         <p:spPr>
           <a:xfrm>
-            <a:off x="685800" y="4343400"/>
-            <a:ext cx="5486400" cy="4114800"/>
+            <a:off x="731520" y="4560570"/>
+            <a:ext cx="5852160" cy="4320540"/>
           </a:xfrm>
           <a:prstGeom prst="rect">
             <a:avLst/>
@@ -207,8 +366,8 @@
         </p:nvSpPr>
         <p:spPr>
           <a:xfrm>
-            <a:off x="0" y="8685213"/>
-            <a:ext cx="2971800" cy="457200"/>
+            <a:off x="0" y="9119474"/>
+            <a:ext cx="3169920" cy="480060"/>
           </a:xfrm>
           <a:prstGeom prst="rect">
             <a:avLst/>
@@ -238,8 +397,8 @@
         </p:nvSpPr>
         <p:spPr>
           <a:xfrm>
-            <a:off x="3884613" y="8685213"/>
-            <a:ext cx="2971800" cy="457200"/>
+            <a:off x="4143587" y="9119474"/>
+            <a:ext cx="3169920" cy="480060"/>
           </a:xfrm>
           <a:prstGeom prst="rect">
             <a:avLst/>
@@ -253,7 +412,7 @@
             </a:lvl1pPr>
           </a:lstStyle>
           <a:p>
-            <a:fld id="{04E6F2A6-64EB-4781-95CF-BCC0FC9B1842}" type="slidenum">
+            <a:fld id="{036A2280-0F1A-48A3-8CA3-73E40D789552}" type="slidenum">
               <a:rPr lang="pl-PL" smtClean="0"/>
             </a:fld>
             <a:endParaRPr lang="pl-PL"/>
@@ -387,16 +546,16 @@
         </p:nvSpPr>
         <p:spPr>
           <a:xfrm>
-            <a:off x="685800" y="2130425"/>
-            <a:ext cx="7772400" cy="1470025"/>
+            <a:off x="810102" y="2796186"/>
+            <a:ext cx="9181147" cy="1929407"/>
           </a:xfrm>
         </p:spPr>
         <p:txBody>
-          <a:bodyPr rtlCol="0"/>
+          <a:bodyPr/>
           <a:lstStyle/>
           <a:p>
             <a:r>
-              <a:rPr lang="en-US"/>
+              <a:rPr lang="en-US" smtClean="0"/>
               <a:t>Click to edit Master title style</a:t>
             </a:r>
             <a:endParaRPr lang="pl-PL"/>
@@ -415,12 +574,12 @@
         </p:nvSpPr>
         <p:spPr>
           <a:xfrm>
-            <a:off x="1371600" y="3886200"/>
-            <a:ext cx="6400800" cy="1752600"/>
+            <a:off x="1620203" y="5100637"/>
+            <a:ext cx="7560946" cy="2300288"/>
           </a:xfrm>
         </p:spPr>
         <p:txBody>
-          <a:bodyPr rtlCol="0"/>
+          <a:bodyPr/>
           <a:lstStyle>
             <a:lvl1pPr marL="0" indent="0" algn="ctr">
               <a:buNone/>
@@ -515,7 +674,7 @@
           </a:lstStyle>
           <a:p>
             <a:r>
-              <a:rPr lang="en-US"/>
+              <a:rPr lang="en-US" smtClean="0"/>
               <a:t>Click to edit Master subtitle style</a:t>
             </a:r>
             <a:endParaRPr lang="pl-PL"/>
@@ -537,6 +696,9 @@
           <a:bodyPr/>
           <a:lstStyle/>
           <a:p>
+            <a:fld id="{C7CCE7A2-776E-4B85-9496-605956332A83}" type="datetimeFigureOut">
+              <a:rPr lang="pl-PL" smtClean="0"/>
+            </a:fld>
             <a:endParaRPr lang="pl-PL"/>
           </a:p>
         </p:txBody>
@@ -575,9 +737,8 @@
           <a:bodyPr/>
           <a:lstStyle/>
           <a:p>
-            <a:fld id="{9318F0AF-B8C1-4236-BC87-B73E0D9D2BCE}" type="slidenum">
-              <a:rPr lang="pl-PL"/>
-              <a:pPr/>
+            <a:fld id="{091A83E7-7790-4C22-9F72-385DF17245DC}" type="slidenum">
+              <a:rPr lang="pl-PL" smtClean="0"/>
             </a:fld>
             <a:endParaRPr lang="pl-PL"/>
           </a:p>
@@ -621,11 +782,11 @@
         </p:nvSpPr>
         <p:spPr/>
         <p:txBody>
-          <a:bodyPr rtlCol="0"/>
+          <a:bodyPr/>
           <a:lstStyle/>
           <a:p>
             <a:r>
-              <a:rPr lang="en-US"/>
+              <a:rPr lang="en-US" smtClean="0"/>
               <a:t>Click to edit Master title style</a:t>
             </a:r>
             <a:endParaRPr lang="pl-PL"/>
@@ -644,40 +805,40 @@
         </p:nvSpPr>
         <p:spPr/>
         <p:txBody>
-          <a:bodyPr rtlCol="0"/>
+          <a:bodyPr/>
           <a:lstStyle/>
           <a:p>
             <a:pPr lvl="0"/>
             <a:r>
-              <a:rPr lang="en-US"/>
+              <a:rPr lang="en-US" smtClean="0"/>
               <a:t>Click to edit Master text styles</a:t>
             </a:r>
           </a:p>
           <a:p>
             <a:pPr lvl="1"/>
             <a:r>
-              <a:rPr lang="en-US"/>
+              <a:rPr lang="en-US" smtClean="0"/>
               <a:t>Second level</a:t>
             </a:r>
           </a:p>
           <a:p>
             <a:pPr lvl="2"/>
             <a:r>
-              <a:rPr lang="en-US"/>
+              <a:rPr lang="en-US" smtClean="0"/>
               <a:t>Third level</a:t>
             </a:r>
           </a:p>
           <a:p>
             <a:pPr lvl="3"/>
             <a:r>
-              <a:rPr lang="en-US"/>
+              <a:rPr lang="en-US" smtClean="0"/>
               <a:t>Fourth level</a:t>
             </a:r>
           </a:p>
           <a:p>
             <a:pPr lvl="4"/>
             <a:r>
-              <a:rPr lang="en-US"/>
+              <a:rPr lang="en-US" smtClean="0"/>
               <a:t>Fifth level</a:t>
             </a:r>
             <a:endParaRPr lang="pl-PL"/>
@@ -699,6 +860,9 @@
           <a:bodyPr/>
           <a:lstStyle/>
           <a:p>
+            <a:fld id="{C7CCE7A2-776E-4B85-9496-605956332A83}" type="datetimeFigureOut">
+              <a:rPr lang="pl-PL" smtClean="0"/>
+            </a:fld>
             <a:endParaRPr lang="pl-PL"/>
           </a:p>
         </p:txBody>
@@ -737,9 +901,8 @@
           <a:bodyPr/>
           <a:lstStyle/>
           <a:p>
-            <a:fld id="{193A1251-675A-4F65-8041-231635DE74F3}" type="slidenum">
-              <a:rPr lang="pl-PL"/>
-              <a:pPr/>
+            <a:fld id="{091A83E7-7790-4C22-9F72-385DF17245DC}" type="slidenum">
+              <a:rPr lang="pl-PL" smtClean="0"/>
             </a:fld>
             <a:endParaRPr lang="pl-PL"/>
           </a:p>
@@ -783,12 +946,12 @@
         </p:nvSpPr>
         <p:spPr>
           <a:xfrm>
-            <a:off x="722313" y="4406900"/>
-            <a:ext cx="7772400" cy="1362075"/>
+            <a:off x="853233" y="5784058"/>
+            <a:ext cx="9181147" cy="1787723"/>
           </a:xfrm>
         </p:spPr>
         <p:txBody>
-          <a:bodyPr rtlCol="0" anchor="t"/>
+          <a:bodyPr anchor="t"/>
           <a:lstStyle>
             <a:lvl1pPr algn="l">
               <a:defRPr sz="4000" b="1" cap="all"/>
@@ -796,7 +959,7 @@
           </a:lstStyle>
           <a:p>
             <a:r>
-              <a:rPr lang="en-US"/>
+              <a:rPr lang="en-US" smtClean="0"/>
               <a:t>Click to edit Master title style</a:t>
             </a:r>
             <a:endParaRPr lang="pl-PL"/>
@@ -815,12 +978,12 @@
         </p:nvSpPr>
         <p:spPr>
           <a:xfrm>
-            <a:off x="722313" y="2906713"/>
-            <a:ext cx="7772400" cy="1500187"/>
+            <a:off x="853233" y="3815063"/>
+            <a:ext cx="9181147" cy="1968995"/>
           </a:xfrm>
         </p:spPr>
         <p:txBody>
-          <a:bodyPr rtlCol="0" anchor="b"/>
+          <a:bodyPr anchor="b"/>
           <a:lstStyle>
             <a:lvl1pPr marL="0" indent="0">
               <a:buNone/>
@@ -916,7 +1079,7 @@
           <a:p>
             <a:pPr lvl="0"/>
             <a:r>
-              <a:rPr lang="en-US"/>
+              <a:rPr lang="en-US" smtClean="0"/>
               <a:t>Click to edit Master text styles</a:t>
             </a:r>
           </a:p>
@@ -937,6 +1100,9 @@
           <a:bodyPr/>
           <a:lstStyle/>
           <a:p>
+            <a:fld id="{C7CCE7A2-776E-4B85-9496-605956332A83}" type="datetimeFigureOut">
+              <a:rPr lang="pl-PL" smtClean="0"/>
+            </a:fld>
             <a:endParaRPr lang="pl-PL"/>
           </a:p>
         </p:txBody>
@@ -975,9 +1141,8 @@
           <a:bodyPr/>
           <a:lstStyle/>
           <a:p>
-            <a:fld id="{6C621404-FE99-4EB1-8730-9DFB691B0D9C}" type="slidenum">
-              <a:rPr lang="pl-PL"/>
-              <a:pPr/>
+            <a:fld id="{091A83E7-7790-4C22-9F72-385DF17245DC}" type="slidenum">
+              <a:rPr lang="pl-PL" smtClean="0"/>
             </a:fld>
             <a:endParaRPr lang="pl-PL"/>
           </a:p>
@@ -1021,11 +1186,11 @@
         </p:nvSpPr>
         <p:spPr/>
         <p:txBody>
-          <a:bodyPr rtlCol="0"/>
+          <a:bodyPr/>
           <a:lstStyle/>
           <a:p>
             <a:r>
-              <a:rPr lang="en-US"/>
+              <a:rPr lang="en-US" smtClean="0"/>
               <a:t>Click to edit Master title style</a:t>
             </a:r>
             <a:endParaRPr lang="pl-PL"/>
@@ -1044,12 +1209,12 @@
         </p:nvSpPr>
         <p:spPr>
           <a:xfrm>
-            <a:off x="685800" y="1981200"/>
-            <a:ext cx="3810000" cy="4114800"/>
+            <a:off x="540068" y="2100264"/>
+            <a:ext cx="4770596" cy="5940326"/>
           </a:xfrm>
         </p:spPr>
         <p:txBody>
-          <a:bodyPr rtlCol="0"/>
+          <a:bodyPr/>
           <a:lstStyle>
             <a:lvl1pPr>
               <a:defRPr sz="2800"/>
@@ -1082,35 +1247,35 @@
           <a:p>
             <a:pPr lvl="0"/>
             <a:r>
-              <a:rPr lang="en-US"/>
+              <a:rPr lang="en-US" smtClean="0"/>
               <a:t>Click to edit Master text styles</a:t>
             </a:r>
           </a:p>
           <a:p>
             <a:pPr lvl="1"/>
             <a:r>
-              <a:rPr lang="en-US"/>
+              <a:rPr lang="en-US" smtClean="0"/>
               <a:t>Second level</a:t>
             </a:r>
           </a:p>
           <a:p>
             <a:pPr lvl="2"/>
             <a:r>
-              <a:rPr lang="en-US"/>
+              <a:rPr lang="en-US" smtClean="0"/>
               <a:t>Third level</a:t>
             </a:r>
           </a:p>
           <a:p>
             <a:pPr lvl="3"/>
             <a:r>
-              <a:rPr lang="en-US"/>
+              <a:rPr lang="en-US" smtClean="0"/>
               <a:t>Fourth level</a:t>
             </a:r>
           </a:p>
           <a:p>
             <a:pPr lvl="4"/>
             <a:r>
-              <a:rPr lang="en-US"/>
+              <a:rPr lang="en-US" smtClean="0"/>
               <a:t>Fifth level</a:t>
             </a:r>
             <a:endParaRPr lang="pl-PL"/>
@@ -1129,12 +1294,12 @@
         </p:nvSpPr>
         <p:spPr>
           <a:xfrm>
-            <a:off x="4648200" y="1981200"/>
-            <a:ext cx="3810000" cy="4114800"/>
+            <a:off x="5490687" y="2100264"/>
+            <a:ext cx="4770596" cy="5940326"/>
           </a:xfrm>
         </p:spPr>
         <p:txBody>
-          <a:bodyPr rtlCol="0"/>
+          <a:bodyPr/>
           <a:lstStyle>
             <a:lvl1pPr>
               <a:defRPr sz="2800"/>
@@ -1167,35 +1332,35 @@
           <a:p>
             <a:pPr lvl="0"/>
             <a:r>
-              <a:rPr lang="en-US"/>
+              <a:rPr lang="en-US" smtClean="0"/>
               <a:t>Click to edit Master text styles</a:t>
             </a:r>
           </a:p>
           <a:p>
             <a:pPr lvl="1"/>
             <a:r>
-              <a:rPr lang="en-US"/>
+              <a:rPr lang="en-US" smtClean="0"/>
               <a:t>Second level</a:t>
             </a:r>
           </a:p>
           <a:p>
             <a:pPr lvl="2"/>
             <a:r>
-              <a:rPr lang="en-US"/>
+              <a:rPr lang="en-US" smtClean="0"/>
               <a:t>Third level</a:t>
             </a:r>
           </a:p>
           <a:p>
             <a:pPr lvl="3"/>
             <a:r>
-              <a:rPr lang="en-US"/>
+              <a:rPr lang="en-US" smtClean="0"/>
               <a:t>Fourth level</a:t>
             </a:r>
           </a:p>
           <a:p>
             <a:pPr lvl="4"/>
             <a:r>
-              <a:rPr lang="en-US"/>
+              <a:rPr lang="en-US" smtClean="0"/>
               <a:t>Fifth level</a:t>
             </a:r>
             <a:endParaRPr lang="pl-PL"/>
@@ -1217,6 +1382,9 @@
           <a:bodyPr/>
           <a:lstStyle/>
           <a:p>
+            <a:fld id="{C7CCE7A2-776E-4B85-9496-605956332A83}" type="datetimeFigureOut">
+              <a:rPr lang="pl-PL" smtClean="0"/>
+            </a:fld>
             <a:endParaRPr lang="pl-PL"/>
           </a:p>
         </p:txBody>
@@ -1255,9 +1423,8 @@
           <a:bodyPr/>
           <a:lstStyle/>
           <a:p>
-            <a:fld id="{CB388A66-E5DA-4D29-A269-B172AEFA59B4}" type="slidenum">
-              <a:rPr lang="pl-PL"/>
-              <a:pPr/>
+            <a:fld id="{091A83E7-7790-4C22-9F72-385DF17245DC}" type="slidenum">
+              <a:rPr lang="pl-PL" smtClean="0"/>
             </a:fld>
             <a:endParaRPr lang="pl-PL"/>
           </a:p>
@@ -1299,14 +1466,9 @@
             <p:ph type="title"/>
           </p:nvPr>
         </p:nvSpPr>
-        <p:spPr>
-          <a:xfrm>
-            <a:off x="457200" y="274638"/>
-            <a:ext cx="8229600" cy="1143000"/>
-          </a:xfrm>
-        </p:spPr>
-        <p:txBody>
-          <a:bodyPr rtlCol="0"/>
+        <p:spPr/>
+        <p:txBody>
+          <a:bodyPr/>
           <a:lstStyle>
             <a:lvl1pPr>
               <a:defRPr/>
@@ -1314,7 +1476,7 @@
           </a:lstStyle>
           <a:p>
             <a:r>
-              <a:rPr lang="en-US"/>
+              <a:rPr lang="en-US" smtClean="0"/>
               <a:t>Click to edit Master title style</a:t>
             </a:r>
             <a:endParaRPr lang="pl-PL"/>
@@ -1333,12 +1495,12 @@
         </p:nvSpPr>
         <p:spPr>
           <a:xfrm>
-            <a:off x="457200" y="1535113"/>
-            <a:ext cx="4040188" cy="639762"/>
+            <a:off x="540068" y="2014835"/>
+            <a:ext cx="4772472" cy="839688"/>
           </a:xfrm>
         </p:spPr>
         <p:txBody>
-          <a:bodyPr rtlCol="0" anchor="b"/>
+          <a:bodyPr anchor="b"/>
           <a:lstStyle>
             <a:lvl1pPr marL="0" indent="0">
               <a:buNone/>
@@ -1380,7 +1542,7 @@
           <a:p>
             <a:pPr lvl="0"/>
             <a:r>
-              <a:rPr lang="en-US"/>
+              <a:rPr lang="en-US" smtClean="0"/>
               <a:t>Click to edit Master text styles</a:t>
             </a:r>
           </a:p>
@@ -1398,12 +1560,12 @@
         </p:nvSpPr>
         <p:spPr>
           <a:xfrm>
-            <a:off x="457200" y="2174875"/>
-            <a:ext cx="4040188" cy="3951288"/>
+            <a:off x="540068" y="2854523"/>
+            <a:ext cx="4772472" cy="5186066"/>
           </a:xfrm>
         </p:spPr>
         <p:txBody>
-          <a:bodyPr rtlCol="0"/>
+          <a:bodyPr/>
           <a:lstStyle>
             <a:lvl1pPr>
               <a:defRPr sz="2400"/>
@@ -1436,35 +1598,35 @@
           <a:p>
             <a:pPr lvl="0"/>
             <a:r>
-              <a:rPr lang="en-US"/>
+              <a:rPr lang="en-US" smtClean="0"/>
               <a:t>Click to edit Master text styles</a:t>
             </a:r>
           </a:p>
           <a:p>
             <a:pPr lvl="1"/>
             <a:r>
-              <a:rPr lang="en-US"/>
+              <a:rPr lang="en-US" smtClean="0"/>
               <a:t>Second level</a:t>
             </a:r>
           </a:p>
           <a:p>
             <a:pPr lvl="2"/>
             <a:r>
-              <a:rPr lang="en-US"/>
+              <a:rPr lang="en-US" smtClean="0"/>
               <a:t>Third level</a:t>
             </a:r>
           </a:p>
           <a:p>
             <a:pPr lvl="3"/>
             <a:r>
-              <a:rPr lang="en-US"/>
+              <a:rPr lang="en-US" smtClean="0"/>
               <a:t>Fourth level</a:t>
             </a:r>
           </a:p>
           <a:p>
             <a:pPr lvl="4"/>
             <a:r>
-              <a:rPr lang="en-US"/>
+              <a:rPr lang="en-US" smtClean="0"/>
               <a:t>Fifth level</a:t>
             </a:r>
             <a:endParaRPr lang="pl-PL"/>
@@ -1483,12 +1645,12 @@
         </p:nvSpPr>
         <p:spPr>
           <a:xfrm>
-            <a:off x="4645025" y="1535113"/>
-            <a:ext cx="4041775" cy="639762"/>
+            <a:off x="5486937" y="2014835"/>
+            <a:ext cx="4774346" cy="839688"/>
           </a:xfrm>
         </p:spPr>
         <p:txBody>
-          <a:bodyPr rtlCol="0" anchor="b"/>
+          <a:bodyPr anchor="b"/>
           <a:lstStyle>
             <a:lvl1pPr marL="0" indent="0">
               <a:buNone/>
@@ -1530,7 +1692,7 @@
           <a:p>
             <a:pPr lvl="0"/>
             <a:r>
-              <a:rPr lang="en-US"/>
+              <a:rPr lang="en-US" smtClean="0"/>
               <a:t>Click to edit Master text styles</a:t>
             </a:r>
           </a:p>
@@ -1548,12 +1710,12 @@
         </p:nvSpPr>
         <p:spPr>
           <a:xfrm>
-            <a:off x="4645025" y="2174875"/>
-            <a:ext cx="4041775" cy="3951288"/>
+            <a:off x="5486937" y="2854523"/>
+            <a:ext cx="4774346" cy="5186066"/>
           </a:xfrm>
         </p:spPr>
         <p:txBody>
-          <a:bodyPr rtlCol="0"/>
+          <a:bodyPr/>
           <a:lstStyle>
             <a:lvl1pPr>
               <a:defRPr sz="2400"/>
@@ -1586,35 +1748,35 @@
           <a:p>
             <a:pPr lvl="0"/>
             <a:r>
-              <a:rPr lang="en-US"/>
+              <a:rPr lang="en-US" smtClean="0"/>
               <a:t>Click to edit Master text styles</a:t>
             </a:r>
           </a:p>
           <a:p>
             <a:pPr lvl="1"/>
             <a:r>
-              <a:rPr lang="en-US"/>
+              <a:rPr lang="en-US" smtClean="0"/>
               <a:t>Second level</a:t>
             </a:r>
           </a:p>
           <a:p>
             <a:pPr lvl="2"/>
             <a:r>
-              <a:rPr lang="en-US"/>
+              <a:rPr lang="en-US" smtClean="0"/>
               <a:t>Third level</a:t>
             </a:r>
           </a:p>
           <a:p>
             <a:pPr lvl="3"/>
             <a:r>
-              <a:rPr lang="en-US"/>
+              <a:rPr lang="en-US" smtClean="0"/>
               <a:t>Fourth level</a:t>
             </a:r>
           </a:p>
           <a:p>
             <a:pPr lvl="4"/>
             <a:r>
-              <a:rPr lang="en-US"/>
+              <a:rPr lang="en-US" smtClean="0"/>
               <a:t>Fifth level</a:t>
             </a:r>
             <a:endParaRPr lang="pl-PL"/>
@@ -1636,6 +1798,9 @@
           <a:bodyPr/>
           <a:lstStyle/>
           <a:p>
+            <a:fld id="{C7CCE7A2-776E-4B85-9496-605956332A83}" type="datetimeFigureOut">
+              <a:rPr lang="pl-PL" smtClean="0"/>
+            </a:fld>
             <a:endParaRPr lang="pl-PL"/>
           </a:p>
         </p:txBody>
@@ -1674,9 +1839,8 @@
           <a:bodyPr/>
           <a:lstStyle/>
           <a:p>
-            <a:fld id="{2344550E-B8BA-4318-A51B-41AC46E2F9E2}" type="slidenum">
-              <a:rPr lang="pl-PL"/>
-              <a:pPr/>
+            <a:fld id="{091A83E7-7790-4C22-9F72-385DF17245DC}" type="slidenum">
+              <a:rPr lang="pl-PL" smtClean="0"/>
             </a:fld>
             <a:endParaRPr lang="pl-PL"/>
           </a:p>
@@ -1720,11 +1884,11 @@
         </p:nvSpPr>
         <p:spPr/>
         <p:txBody>
-          <a:bodyPr rtlCol="0"/>
+          <a:bodyPr/>
           <a:lstStyle/>
           <a:p>
             <a:r>
-              <a:rPr lang="en-US"/>
+              <a:rPr lang="en-US" smtClean="0"/>
               <a:t>Click to edit Master title style</a:t>
             </a:r>
             <a:endParaRPr lang="pl-PL"/>
@@ -1746,6 +1910,9 @@
           <a:bodyPr/>
           <a:lstStyle/>
           <a:p>
+            <a:fld id="{C7CCE7A2-776E-4B85-9496-605956332A83}" type="datetimeFigureOut">
+              <a:rPr lang="pl-PL" smtClean="0"/>
+            </a:fld>
             <a:endParaRPr lang="pl-PL"/>
           </a:p>
         </p:txBody>
@@ -1784,9 +1951,8 @@
           <a:bodyPr/>
           <a:lstStyle/>
           <a:p>
-            <a:fld id="{E53241A4-20C2-4D5A-A67E-BA0312377B2C}" type="slidenum">
-              <a:rPr lang="pl-PL"/>
-              <a:pPr/>
+            <a:fld id="{091A83E7-7790-4C22-9F72-385DF17245DC}" type="slidenum">
+              <a:rPr lang="pl-PL" smtClean="0"/>
             </a:fld>
             <a:endParaRPr lang="pl-PL"/>
           </a:p>
@@ -1833,6 +1999,9 @@
           <a:bodyPr/>
           <a:lstStyle/>
           <a:p>
+            <a:fld id="{C7CCE7A2-776E-4B85-9496-605956332A83}" type="datetimeFigureOut">
+              <a:rPr lang="pl-PL" smtClean="0"/>
+            </a:fld>
             <a:endParaRPr lang="pl-PL"/>
           </a:p>
         </p:txBody>
@@ -1871,9 +2040,8 @@
           <a:bodyPr/>
           <a:lstStyle/>
           <a:p>
-            <a:fld id="{AF0CECC8-22CA-4B17-A5B3-B30B0E3A06BD}" type="slidenum">
-              <a:rPr lang="pl-PL"/>
-              <a:pPr/>
+            <a:fld id="{091A83E7-7790-4C22-9F72-385DF17245DC}" type="slidenum">
+              <a:rPr lang="pl-PL" smtClean="0"/>
             </a:fld>
             <a:endParaRPr lang="pl-PL"/>
           </a:p>
@@ -1917,12 +2085,12 @@
         </p:nvSpPr>
         <p:spPr>
           <a:xfrm>
-            <a:off x="457200" y="273050"/>
-            <a:ext cx="3008313" cy="1162050"/>
+            <a:off x="540068" y="358379"/>
+            <a:ext cx="3553570" cy="1525191"/>
           </a:xfrm>
         </p:spPr>
         <p:txBody>
-          <a:bodyPr rtlCol="0" anchor="b"/>
+          <a:bodyPr anchor="b"/>
           <a:lstStyle>
             <a:lvl1pPr algn="l">
               <a:defRPr sz="2000" b="1"/>
@@ -1930,7 +2098,7 @@
           </a:lstStyle>
           <a:p>
             <a:r>
-              <a:rPr lang="en-US"/>
+              <a:rPr lang="en-US" smtClean="0"/>
               <a:t>Click to edit Master title style</a:t>
             </a:r>
             <a:endParaRPr lang="pl-PL"/>
@@ -1949,12 +2117,12 @@
         </p:nvSpPr>
         <p:spPr>
           <a:xfrm>
-            <a:off x="3575050" y="273050"/>
-            <a:ext cx="5111750" cy="5853113"/>
+            <a:off x="4223028" y="358380"/>
+            <a:ext cx="6038256" cy="7682211"/>
           </a:xfrm>
         </p:spPr>
         <p:txBody>
-          <a:bodyPr rtlCol="0"/>
+          <a:bodyPr/>
           <a:lstStyle>
             <a:lvl1pPr>
               <a:defRPr sz="3200"/>
@@ -1987,35 +2155,35 @@
           <a:p>
             <a:pPr lvl="0"/>
             <a:r>
-              <a:rPr lang="en-US"/>
+              <a:rPr lang="en-US" smtClean="0"/>
               <a:t>Click to edit Master text styles</a:t>
             </a:r>
           </a:p>
           <a:p>
             <a:pPr lvl="1"/>
             <a:r>
-              <a:rPr lang="en-US"/>
+              <a:rPr lang="en-US" smtClean="0"/>
               <a:t>Second level</a:t>
             </a:r>
           </a:p>
           <a:p>
             <a:pPr lvl="2"/>
             <a:r>
-              <a:rPr lang="en-US"/>
+              <a:rPr lang="en-US" smtClean="0"/>
               <a:t>Third level</a:t>
             </a:r>
           </a:p>
           <a:p>
             <a:pPr lvl="3"/>
             <a:r>
-              <a:rPr lang="en-US"/>
+              <a:rPr lang="en-US" smtClean="0"/>
               <a:t>Fourth level</a:t>
             </a:r>
           </a:p>
           <a:p>
             <a:pPr lvl="4"/>
             <a:r>
-              <a:rPr lang="en-US"/>
+              <a:rPr lang="en-US" smtClean="0"/>
               <a:t>Fifth level</a:t>
             </a:r>
             <a:endParaRPr lang="pl-PL"/>
@@ -2034,12 +2202,12 @@
         </p:nvSpPr>
         <p:spPr>
           <a:xfrm>
-            <a:off x="457200" y="1435100"/>
-            <a:ext cx="3008313" cy="4691063"/>
+            <a:off x="540068" y="1883569"/>
+            <a:ext cx="3553570" cy="6157021"/>
           </a:xfrm>
         </p:spPr>
         <p:txBody>
-          <a:bodyPr rtlCol="0"/>
+          <a:bodyPr/>
           <a:lstStyle>
             <a:lvl1pPr marL="0" indent="0">
               <a:buNone/>
@@ -2081,7 +2249,7 @@
           <a:p>
             <a:pPr lvl="0"/>
             <a:r>
-              <a:rPr lang="en-US"/>
+              <a:rPr lang="en-US" smtClean="0"/>
               <a:t>Click to edit Master text styles</a:t>
             </a:r>
           </a:p>
@@ -2102,6 +2270,9 @@
           <a:bodyPr/>
           <a:lstStyle/>
           <a:p>
+            <a:fld id="{C7CCE7A2-776E-4B85-9496-605956332A83}" type="datetimeFigureOut">
+              <a:rPr lang="pl-PL" smtClean="0"/>
+            </a:fld>
             <a:endParaRPr lang="pl-PL"/>
           </a:p>
         </p:txBody>
@@ -2140,9 +2311,8 @@
           <a:bodyPr/>
           <a:lstStyle/>
           <a:p>
-            <a:fld id="{48ABA6F2-5F82-4B7D-9A35-F3FF2FBFC6E0}" type="slidenum">
-              <a:rPr lang="pl-PL"/>
-              <a:pPr/>
+            <a:fld id="{091A83E7-7790-4C22-9F72-385DF17245DC}" type="slidenum">
+              <a:rPr lang="pl-PL" smtClean="0"/>
             </a:fld>
             <a:endParaRPr lang="pl-PL"/>
           </a:p>
@@ -2186,12 +2356,12 @@
         </p:nvSpPr>
         <p:spPr>
           <a:xfrm>
-            <a:off x="1792288" y="4800600"/>
-            <a:ext cx="5486400" cy="566738"/>
+            <a:off x="2117141" y="6300788"/>
+            <a:ext cx="6480810" cy="743844"/>
           </a:xfrm>
         </p:spPr>
         <p:txBody>
-          <a:bodyPr rtlCol="0" anchor="b"/>
+          <a:bodyPr anchor="b"/>
           <a:lstStyle>
             <a:lvl1pPr algn="l">
               <a:defRPr sz="2000" b="1"/>
@@ -2199,7 +2369,7 @@
           </a:lstStyle>
           <a:p>
             <a:r>
-              <a:rPr lang="en-US"/>
+              <a:rPr lang="en-US" smtClean="0"/>
               <a:t>Click to edit Master title style</a:t>
             </a:r>
             <a:endParaRPr lang="pl-PL"/>
@@ -2218,12 +2388,12 @@
         </p:nvSpPr>
         <p:spPr>
           <a:xfrm>
-            <a:off x="1792288" y="612775"/>
-            <a:ext cx="5486400" cy="4114800"/>
+            <a:off x="2117141" y="804268"/>
+            <a:ext cx="6480810" cy="5400675"/>
           </a:xfrm>
         </p:spPr>
         <p:txBody>
-          <a:bodyPr rtlCol="0"/>
+          <a:bodyPr/>
           <a:lstStyle>
             <a:lvl1pPr marL="0" indent="0">
               <a:buNone/>
@@ -2279,12 +2449,12 @@
         </p:nvSpPr>
         <p:spPr>
           <a:xfrm>
-            <a:off x="1792288" y="5367338"/>
-            <a:ext cx="5486400" cy="804862"/>
+            <a:off x="2117141" y="7044633"/>
+            <a:ext cx="6480810" cy="1056381"/>
           </a:xfrm>
         </p:spPr>
         <p:txBody>
-          <a:bodyPr rtlCol="0"/>
+          <a:bodyPr/>
           <a:lstStyle>
             <a:lvl1pPr marL="0" indent="0">
               <a:buNone/>
@@ -2326,7 +2496,7 @@
           <a:p>
             <a:pPr lvl="0"/>
             <a:r>
-              <a:rPr lang="en-US"/>
+              <a:rPr lang="en-US" smtClean="0"/>
               <a:t>Click to edit Master text styles</a:t>
             </a:r>
           </a:p>
@@ -2347,6 +2517,9 @@
           <a:bodyPr/>
           <a:lstStyle/>
           <a:p>
+            <a:fld id="{C7CCE7A2-776E-4B85-9496-605956332A83}" type="datetimeFigureOut">
+              <a:rPr lang="pl-PL" smtClean="0"/>
+            </a:fld>
             <a:endParaRPr lang="pl-PL"/>
           </a:p>
         </p:txBody>
@@ -2385,9 +2558,8 @@
           <a:bodyPr/>
           <a:lstStyle/>
           <a:p>
-            <a:fld id="{B82B319C-6434-424B-8047-49AC963DCCC0}" type="slidenum">
-              <a:rPr lang="pl-PL"/>
-              <a:pPr/>
+            <a:fld id="{091A83E7-7790-4C22-9F72-385DF17245DC}" type="slidenum">
+              <a:rPr lang="pl-PL" smtClean="0"/>
             </a:fld>
             <a:endParaRPr lang="pl-PL"/>
           </a:p>
@@ -2405,12 +2577,9 @@
 <file path=ppt/slideMasters/slideMaster1.xml><?xml version="1.0" encoding="utf-8"?>
 <p:sldMaster xmlns:a="http://schemas.openxmlformats.org/drawingml/2006/3/main" xmlns:r="http://schemas.openxmlformats.org/officeDocument/2006/relationships" xmlns:p="http://schemas.openxmlformats.org/presentationml/2006/3/main">
   <p:cSld>
-    <p:bgPr>
-      <a:solidFill>
-        <a:schemeClr val="bg1"/>
-      </a:solidFill>
-      <a:effectLst/>
-    </p:bgPr>
+    <p:bgRef idx="1001">
+      <a:schemeClr val="bg1"/>
+    </p:bgRef>
     <p:spTree>
       <p:nvGrpSpPr>
         <p:cNvPr id="1" name=""/>
@@ -2427,210 +2596,168 @@
       </p:grpSpPr>
       <p:sp>
         <p:nvSpPr>
-          <p:cNvPr id="1026" name="Rectangle 2"/>
-          <p:cNvSpPr>
-            <a:spLocks noGrp="1" noChangeArrowheads="1"/>
+          <p:cNvPr id="2" name="Rectangle 1"/>
+          <p:cNvSpPr>
+            <a:spLocks noGrp="1"/>
           </p:cNvSpPr>
           <p:nvPr>
             <p:ph type="title"/>
           </p:nvPr>
         </p:nvSpPr>
-        <p:spPr bwMode="auto">
+        <p:spPr>
           <a:xfrm>
-            <a:off x="685800" y="609600"/>
-            <a:ext cx="7772400" cy="1143000"/>
+            <a:off x="540068" y="360462"/>
+            <a:ext cx="9721216" cy="1500188"/>
           </a:xfrm>
           <a:prstGeom prst="rect">
             <a:avLst/>
           </a:prstGeom>
-          <a:noFill/>
-          <a:ln w="9525" cap="flat" cmpd="sng" algn="ctr">
-            <a:noFill/>
-            <a:prstDash val="solid"/>
-            <a:miter lim="800000"/>
-            <a:headEnd type="none" w="med" len="med"/>
-            <a:tailEnd type="none" w="med" len="med"/>
-          </a:ln>
-          <a:effectLst/>
         </p:spPr>
         <p:txBody>
-          <a:bodyPr vert="horz" wrap="square" lIns="91440" tIns="45720" rIns="91440" bIns="45720" anchor="ctr" compatLnSpc="1"/>
+          <a:bodyPr vert="horz" rtlCol="0" anchor="ctr">
+            <a:normAutofit/>
+          </a:bodyPr>
           <a:lstStyle/>
           <a:p>
-            <a:pPr lvl="0"/>
-            <a:r>
-              <a:rPr lang="pl-PL"/>
-              <a:t>Kliknij, aby edytować styl wzorca tytułu</a:t>
-            </a:r>
-          </a:p>
-        </p:txBody>
-      </p:sp>
-      <p:sp>
-        <p:nvSpPr>
-          <p:cNvPr id="1027" name="Rectangle 3"/>
-          <p:cNvSpPr>
-            <a:spLocks noGrp="1" noChangeArrowheads="1"/>
+            <a:r>
+              <a:rPr lang="en-US" smtClean="0"/>
+              <a:t>Click to edit Master title style</a:t>
+            </a:r>
+            <a:endParaRPr lang="pl-PL"/>
+          </a:p>
+        </p:txBody>
+      </p:sp>
+      <p:sp>
+        <p:nvSpPr>
+          <p:cNvPr id="3" name="Rectangle 2"/>
+          <p:cNvSpPr>
+            <a:spLocks noGrp="1"/>
           </p:cNvSpPr>
           <p:nvPr>
             <p:ph type="body" idx="1"/>
           </p:nvPr>
         </p:nvSpPr>
-        <p:spPr bwMode="auto">
+        <p:spPr>
           <a:xfrm>
-            <a:off x="685800" y="1981200"/>
-            <a:ext cx="7772400" cy="4114800"/>
+            <a:off x="540068" y="2100264"/>
+            <a:ext cx="9721216" cy="5940326"/>
           </a:xfrm>
           <a:prstGeom prst="rect">
             <a:avLst/>
           </a:prstGeom>
-          <a:noFill/>
-          <a:ln w="9525" cap="flat" cmpd="sng" algn="ctr">
-            <a:noFill/>
-            <a:prstDash val="solid"/>
-            <a:miter lim="800000"/>
-            <a:headEnd type="none" w="med" len="med"/>
-            <a:tailEnd type="none" w="med" len="med"/>
-          </a:ln>
-          <a:effectLst/>
         </p:spPr>
         <p:txBody>
-          <a:bodyPr vert="horz" wrap="square" lIns="91440" tIns="45720" rIns="91440" bIns="45720" anchor="t" compatLnSpc="1"/>
+          <a:bodyPr vert="horz" rtlCol="0">
+            <a:normAutofit/>
+          </a:bodyPr>
           <a:lstStyle/>
           <a:p>
             <a:pPr lvl="0"/>
             <a:r>
-              <a:rPr lang="pl-PL"/>
-              <a:t>Kliknij, aby edytować style wzorca tekstu</a:t>
+              <a:rPr lang="en-US" smtClean="0"/>
+              <a:t>Click to edit Master text styles</a:t>
             </a:r>
           </a:p>
           <a:p>
             <a:pPr lvl="1"/>
             <a:r>
-              <a:rPr lang="pl-PL"/>
-              <a:t>Drugi poziom</a:t>
+              <a:rPr lang="en-US" smtClean="0"/>
+              <a:t>Second level</a:t>
             </a:r>
           </a:p>
           <a:p>
             <a:pPr lvl="2"/>
             <a:r>
-              <a:rPr lang="pl-PL"/>
-              <a:t>Trzeci poziom</a:t>
+              <a:rPr lang="en-US" smtClean="0"/>
+              <a:t>Third level</a:t>
             </a:r>
           </a:p>
           <a:p>
             <a:pPr lvl="3"/>
             <a:r>
-              <a:rPr lang="pl-PL"/>
-              <a:t>Czwarty poziom</a:t>
+              <a:rPr lang="en-US" smtClean="0"/>
+              <a:t>Fourth level</a:t>
             </a:r>
           </a:p>
           <a:p>
             <a:pPr lvl="4"/>
             <a:r>
-              <a:rPr lang="pl-PL"/>
-              <a:t>Piąty poziom</a:t>
-            </a:r>
-          </a:p>
-        </p:txBody>
-      </p:sp>
-      <p:sp>
-        <p:nvSpPr>
-          <p:cNvPr id="1028" name="Rectangle 4"/>
-          <p:cNvSpPr>
-            <a:spLocks noGrp="1" noChangeArrowheads="1"/>
+              <a:rPr lang="en-US" smtClean="0"/>
+              <a:t>Fifth level</a:t>
+            </a:r>
+            <a:endParaRPr lang="pl-PL"/>
+          </a:p>
+        </p:txBody>
+      </p:sp>
+      <p:sp>
+        <p:nvSpPr>
+          <p:cNvPr id="4" name="Rectangle 3"/>
+          <p:cNvSpPr>
+            <a:spLocks noGrp="1"/>
           </p:cNvSpPr>
           <p:nvPr>
             <p:ph type="dt" sz="half" idx="2"/>
           </p:nvPr>
         </p:nvSpPr>
-        <p:spPr bwMode="auto">
+        <p:spPr>
           <a:xfrm>
-            <a:off x="685800" y="6248400"/>
-            <a:ext cx="1905000" cy="457200"/>
+            <a:off x="540068" y="8342711"/>
+            <a:ext cx="2520316" cy="479226"/>
           </a:xfrm>
           <a:prstGeom prst="rect">
             <a:avLst/>
           </a:prstGeom>
-          <a:noFill/>
-          <a:ln w="9525" cap="flat" cmpd="sng" algn="ctr">
-            <a:noFill/>
-            <a:prstDash val="solid"/>
-            <a:miter lim="800000"/>
-            <a:headEnd type="none" w="med" len="med"/>
-            <a:tailEnd type="none" w="med" len="med"/>
-          </a:ln>
-          <a:effectLst/>
         </p:spPr>
         <p:txBody>
-          <a:bodyPr vert="horz" wrap="square" lIns="91440" tIns="45720" rIns="91440" bIns="45720" anchor="t" compatLnSpc="1"/>
+          <a:bodyPr vert="horz" rtlCol="0" anchor="ctr"/>
           <a:lstStyle>
-            <a:lvl1pPr algn="l" fontAlgn="base">
-              <a:spcBef>
-                <a:spcPct val="0"/>
-              </a:spcBef>
-              <a:spcAft>
-                <a:spcPct val="0"/>
-              </a:spcAft>
-              <a:defRPr sz="1400">
-                <a:solidFill>
-                  <a:schemeClr val="tx1">
-                    <a:alpha val="100000"/>
-                  </a:schemeClr>
-                </a:solidFill>
-                <a:latin typeface="+mn-lt"/>
+            <a:lvl1pPr algn="l">
+              <a:defRPr sz="1200">
+                <a:solidFill>
+                  <a:schemeClr val="tx1">
+                    <a:tint val="75000"/>
+                  </a:schemeClr>
+                </a:solidFill>
               </a:defRPr>
             </a:lvl1pPr>
           </a:lstStyle>
           <a:p>
-            <a:endParaRPr lang="pl-PL" noProof="1"/>
-          </a:p>
-        </p:txBody>
-      </p:sp>
-      <p:sp>
-        <p:nvSpPr>
-          <p:cNvPr id="1029" name="Rectangle 5"/>
-          <p:cNvSpPr>
-            <a:spLocks noGrp="1" noChangeArrowheads="1"/>
+            <a:fld id="{C7CCE7A2-776E-4B85-9496-605956332A83}" type="datetimeFigureOut">
+              <a:rPr lang="pl-PL" smtClean="0"/>
+            </a:fld>
+            <a:endParaRPr lang="pl-PL"/>
+          </a:p>
+        </p:txBody>
+      </p:sp>
+      <p:sp>
+        <p:nvSpPr>
+          <p:cNvPr id="5" name="Rectangle 4"/>
+          <p:cNvSpPr>
+            <a:spLocks noGrp="1"/>
           </p:cNvSpPr>
           <p:nvPr>
             <p:ph type="ftr" sz="quarter" idx="3"/>
           </p:nvPr>
         </p:nvSpPr>
-        <p:spPr bwMode="auto">
+        <p:spPr>
           <a:xfrm>
-            <a:off x="3124200" y="6248400"/>
-            <a:ext cx="2895600" cy="457200"/>
+            <a:off x="3690462" y="8342711"/>
+            <a:ext cx="3420427" cy="479226"/>
           </a:xfrm>
           <a:prstGeom prst="rect">
             <a:avLst/>
           </a:prstGeom>
-          <a:noFill/>
-          <a:ln w="9525" cap="flat" cmpd="sng" algn="ctr">
-            <a:noFill/>
-            <a:prstDash val="solid"/>
-            <a:miter lim="800000"/>
-            <a:headEnd type="none" w="med" len="med"/>
-            <a:tailEnd type="none" w="med" len="med"/>
-          </a:ln>
-          <a:effectLst/>
         </p:spPr>
         <p:txBody>
-          <a:bodyPr vert="horz" wrap="square" lIns="91440" tIns="45720" rIns="91440" bIns="45720" anchor="t" compatLnSpc="1"/>
+          <a:bodyPr vert="horz" rtlCol="0" anchor="ctr"/>
           <a:lstStyle>
-            <a:lvl1pPr algn="ctr" fontAlgn="base">
-              <a:spcBef>
-                <a:spcPct val="0"/>
-              </a:spcBef>
-              <a:spcAft>
-                <a:spcPct val="0"/>
-              </a:spcAft>
-              <a:defRPr sz="1400" noProof="1">
-                <a:solidFill>
-                  <a:schemeClr val="tx1">
-                    <a:alpha val="100000"/>
-                  </a:schemeClr>
-                </a:solidFill>
-                <a:latin typeface="+mn-lt"/>
+            <a:lvl1pPr algn="ctr">
+              <a:defRPr sz="1200">
+                <a:solidFill>
+                  <a:schemeClr val="tx1">
+                    <a:tint val="75000"/>
+                  </a:schemeClr>
+                </a:solidFill>
               </a:defRPr>
             </a:lvl1pPr>
           </a:lstStyle>
@@ -2641,56 +2768,39 @@
       </p:sp>
       <p:sp>
         <p:nvSpPr>
-          <p:cNvPr id="1030" name="Rectangle 6"/>
-          <p:cNvSpPr>
-            <a:spLocks noGrp="1" noChangeArrowheads="1"/>
+          <p:cNvPr id="6" name="Rectangle 5"/>
+          <p:cNvSpPr>
+            <a:spLocks noGrp="1"/>
           </p:cNvSpPr>
           <p:nvPr>
             <p:ph type="sldNum" sz="quarter" idx="4"/>
           </p:nvPr>
         </p:nvSpPr>
-        <p:spPr bwMode="auto">
+        <p:spPr>
           <a:xfrm>
-            <a:off x="6553200" y="6248400"/>
-            <a:ext cx="1905000" cy="457200"/>
+            <a:off x="7740968" y="8342711"/>
+            <a:ext cx="2520316" cy="479226"/>
           </a:xfrm>
           <a:prstGeom prst="rect">
             <a:avLst/>
           </a:prstGeom>
-          <a:noFill/>
-          <a:ln w="9525" cap="flat" cmpd="sng" algn="ctr">
-            <a:noFill/>
-            <a:prstDash val="solid"/>
-            <a:miter lim="800000"/>
-            <a:headEnd type="none" w="med" len="med"/>
-            <a:tailEnd type="none" w="med" len="med"/>
-          </a:ln>
-          <a:effectLst/>
         </p:spPr>
         <p:txBody>
-          <a:bodyPr vert="horz" wrap="square" lIns="91440" tIns="45720" rIns="91440" bIns="45720" anchor="t" compatLnSpc="1"/>
+          <a:bodyPr vert="horz" rtlCol="0" anchor="ctr"/>
           <a:lstStyle>
-            <a:lvl1pPr algn="r" fontAlgn="base">
-              <a:spcBef>
-                <a:spcPct val="0"/>
-              </a:spcBef>
-              <a:spcAft>
-                <a:spcPct val="0"/>
-              </a:spcAft>
-              <a:defRPr sz="1400" noProof="1">
-                <a:solidFill>
-                  <a:schemeClr val="tx1">
-                    <a:alpha val="100000"/>
-                  </a:schemeClr>
-                </a:solidFill>
-                <a:latin typeface="+mn-lt"/>
+            <a:lvl1pPr algn="r">
+              <a:defRPr sz="1200">
+                <a:solidFill>
+                  <a:schemeClr val="tx1">
+                    <a:tint val="75000"/>
+                  </a:schemeClr>
+                </a:solidFill>
               </a:defRPr>
             </a:lvl1pPr>
           </a:lstStyle>
           <a:p>
-            <a:fld id="{2FFCFBD9-82FB-45DB-8D3E-7B36E325E222}" type="slidenum">
-              <a:rPr lang="pl-PL"/>
-              <a:pPr/>
+            <a:fld id="{091A83E7-7790-4C22-9F72-385DF17245DC}" type="slidenum">
+              <a:rPr lang="pl-PL" smtClean="0"/>
             </a:fld>
             <a:endParaRPr lang="pl-PL"/>
           </a:p>
@@ -2713,311 +2823,250 @@
   <p:timing/>
   <p:txStyles>
     <p:titleStyle>
-      <a:lvl1pPr algn="ctr" fontAlgn="base">
+      <a:lvl1pPr algn="ctr" rtl="0" latinLnBrk="0">
         <a:spcBef>
           <a:spcPct val="0"/>
         </a:spcBef>
-        <a:spcAft>
-          <a:spcPct val="0"/>
-        </a:spcAft>
-        <a:defRPr sz="4400">
+        <a:buNone/>
+        <a:defRPr sz="4400" kern="1200">
           <a:solidFill>
-            <a:schemeClr val="tx2">
-              <a:alpha val="100000"/>
-            </a:schemeClr>
+            <a:schemeClr val="tx1"/>
           </a:solidFill>
           <a:latin typeface="+mj-lt"/>
           <a:ea typeface="+mj-ea"/>
           <a:cs typeface="+mj-cs"/>
         </a:defRPr>
       </a:lvl1pPr>
-      <a:lvl2pPr algn="ctr" fontAlgn="base">
-        <a:spcBef>
-          <a:spcPct val="0"/>
-        </a:spcBef>
-        <a:spcAft>
-          <a:spcPct val="0"/>
-        </a:spcAft>
-        <a:defRPr sz="4400">
-          <a:solidFill>
-            <a:schemeClr val="tx2">
-              <a:alpha val="100000"/>
-            </a:schemeClr>
-          </a:solidFill>
-          <a:latin typeface="Times New Roman"/>
-        </a:defRPr>
-      </a:lvl2pPr>
-      <a:lvl3pPr algn="ctr" fontAlgn="base">
-        <a:spcBef>
-          <a:spcPct val="0"/>
-        </a:spcBef>
-        <a:spcAft>
-          <a:spcPct val="0"/>
-        </a:spcAft>
-        <a:defRPr sz="4400">
-          <a:solidFill>
-            <a:schemeClr val="tx2">
-              <a:alpha val="100000"/>
-            </a:schemeClr>
-          </a:solidFill>
-          <a:latin typeface="Times New Roman"/>
-        </a:defRPr>
-      </a:lvl3pPr>
-      <a:lvl4pPr algn="ctr" fontAlgn="base">
-        <a:spcBef>
-          <a:spcPct val="0"/>
-        </a:spcBef>
-        <a:spcAft>
-          <a:spcPct val="0"/>
-        </a:spcAft>
-        <a:defRPr sz="4400">
-          <a:solidFill>
-            <a:schemeClr val="tx2">
-              <a:alpha val="100000"/>
-            </a:schemeClr>
-          </a:solidFill>
-          <a:latin typeface="Times New Roman"/>
-        </a:defRPr>
-      </a:lvl4pPr>
-      <a:lvl5pPr algn="ctr" fontAlgn="base">
-        <a:spcBef>
-          <a:spcPct val="0"/>
-        </a:spcBef>
-        <a:spcAft>
-          <a:spcPct val="0"/>
-        </a:spcAft>
-        <a:defRPr sz="4400">
-          <a:solidFill>
-            <a:schemeClr val="tx2">
-              <a:alpha val="100000"/>
-            </a:schemeClr>
-          </a:solidFill>
-          <a:latin typeface="Times New Roman"/>
-        </a:defRPr>
-      </a:lvl5pPr>
-      <a:lvl6pPr marL="457200" algn="ctr" fontAlgn="base">
-        <a:spcBef>
-          <a:spcPct val="0"/>
-        </a:spcBef>
-        <a:spcAft>
-          <a:spcPct val="0"/>
-        </a:spcAft>
-        <a:defRPr sz="4400">
-          <a:solidFill>
-            <a:schemeClr val="tx2">
-              <a:alpha val="100000"/>
-            </a:schemeClr>
-          </a:solidFill>
-          <a:latin typeface="Times New Roman"/>
-        </a:defRPr>
-      </a:lvl6pPr>
-      <a:lvl7pPr marL="914400" algn="ctr" fontAlgn="base">
-        <a:spcBef>
-          <a:spcPct val="0"/>
-        </a:spcBef>
-        <a:spcAft>
-          <a:spcPct val="0"/>
-        </a:spcAft>
-        <a:defRPr sz="4400">
-          <a:solidFill>
-            <a:schemeClr val="tx2">
-              <a:alpha val="100000"/>
-            </a:schemeClr>
-          </a:solidFill>
-          <a:latin typeface="Times New Roman"/>
-        </a:defRPr>
-      </a:lvl7pPr>
-      <a:lvl8pPr marL="1371600" algn="ctr" fontAlgn="base">
-        <a:spcBef>
-          <a:spcPct val="0"/>
-        </a:spcBef>
-        <a:spcAft>
-          <a:spcPct val="0"/>
-        </a:spcAft>
-        <a:defRPr sz="4400">
-          <a:solidFill>
-            <a:schemeClr val="tx2">
-              <a:alpha val="100000"/>
-            </a:schemeClr>
-          </a:solidFill>
-          <a:latin typeface="Times New Roman"/>
-        </a:defRPr>
-      </a:lvl8pPr>
-      <a:lvl9pPr marL="1828800" algn="ctr" fontAlgn="base">
-        <a:spcBef>
-          <a:spcPct val="0"/>
-        </a:spcBef>
-        <a:spcAft>
-          <a:spcPct val="0"/>
-        </a:spcAft>
-        <a:defRPr sz="4400">
-          <a:solidFill>
-            <a:schemeClr val="tx2">
-              <a:alpha val="100000"/>
-            </a:schemeClr>
-          </a:solidFill>
-          <a:latin typeface="Times New Roman"/>
-        </a:defRPr>
-      </a:lvl9pPr>
     </p:titleStyle>
     <p:bodyStyle>
-      <a:lvl1pPr marL="342900" indent="-342900" algn="l" fontAlgn="base">
+      <a:lvl1pPr marL="342900" indent="-342900" algn="l" rtl="0" latinLnBrk="0">
         <a:spcBef>
           <a:spcPct val="20000"/>
         </a:spcBef>
-        <a:spcAft>
-          <a:spcPct val="0"/>
-        </a:spcAft>
+        <a:buFont typeface="Arial"/>
         <a:buChar char="•"/>
-        <a:defRPr sz="3200">
+        <a:defRPr sz="3200" kern="1200">
           <a:solidFill>
-            <a:schemeClr val="tx1">
-              <a:alpha val="100000"/>
-            </a:schemeClr>
+            <a:schemeClr val="tx1"/>
           </a:solidFill>
           <a:latin typeface="+mn-lt"/>
           <a:ea typeface="+mn-ea"/>
           <a:cs typeface="+mn-cs"/>
         </a:defRPr>
       </a:lvl1pPr>
-      <a:lvl2pPr marL="742950" indent="-285750" algn="l" fontAlgn="base">
+      <a:lvl2pPr marL="742950" indent="-285750" algn="l" rtl="0" latinLnBrk="0">
         <a:spcBef>
           <a:spcPct val="20000"/>
         </a:spcBef>
-        <a:spcAft>
-          <a:spcPct val="0"/>
-        </a:spcAft>
+        <a:buFont typeface="Arial"/>
         <a:buChar char="–"/>
-        <a:defRPr sz="2800">
+        <a:defRPr sz="2800" kern="1200">
           <a:solidFill>
-            <a:schemeClr val="tx1">
-              <a:alpha val="100000"/>
-            </a:schemeClr>
+            <a:schemeClr val="tx1"/>
           </a:solidFill>
           <a:latin typeface="+mn-lt"/>
+          <a:ea typeface="+mn-ea"/>
+          <a:cs typeface="+mn-cs"/>
         </a:defRPr>
       </a:lvl2pPr>
-      <a:lvl3pPr marL="1143000" indent="-228600" algn="l" fontAlgn="base">
+      <a:lvl3pPr marL="1143000" indent="-228600" algn="l" rtl="0" latinLnBrk="0">
         <a:spcBef>
           <a:spcPct val="20000"/>
         </a:spcBef>
-        <a:spcAft>
-          <a:spcPct val="0"/>
-        </a:spcAft>
+        <a:buFont typeface="Arial"/>
         <a:buChar char="•"/>
-        <a:defRPr sz="2400">
+        <a:defRPr sz="2400" kern="1200">
           <a:solidFill>
-            <a:schemeClr val="tx1">
-              <a:alpha val="100000"/>
-            </a:schemeClr>
+            <a:schemeClr val="tx1"/>
           </a:solidFill>
           <a:latin typeface="+mn-lt"/>
+          <a:ea typeface="+mn-ea"/>
+          <a:cs typeface="+mn-cs"/>
         </a:defRPr>
       </a:lvl3pPr>
-      <a:lvl4pPr marL="1600200" indent="-228600" algn="l" fontAlgn="base">
+      <a:lvl4pPr marL="1600200" indent="-228600" algn="l" rtl="0" latinLnBrk="0">
         <a:spcBef>
           <a:spcPct val="20000"/>
         </a:spcBef>
-        <a:spcAft>
-          <a:spcPct val="0"/>
-        </a:spcAft>
+        <a:buFont typeface="Arial"/>
         <a:buChar char="–"/>
-        <a:defRPr sz="2000">
+        <a:defRPr sz="2000" kern="1200">
           <a:solidFill>
-            <a:schemeClr val="tx1">
-              <a:alpha val="100000"/>
-            </a:schemeClr>
+            <a:schemeClr val="tx1"/>
           </a:solidFill>
           <a:latin typeface="+mn-lt"/>
+          <a:ea typeface="+mn-ea"/>
+          <a:cs typeface="+mn-cs"/>
         </a:defRPr>
       </a:lvl4pPr>
-      <a:lvl5pPr marL="2057400" indent="-228600" algn="l" fontAlgn="base">
+      <a:lvl5pPr marL="2057400" indent="-228600" algn="l" rtl="0" latinLnBrk="0">
         <a:spcBef>
           <a:spcPct val="20000"/>
         </a:spcBef>
-        <a:spcAft>
-          <a:spcPct val="0"/>
-        </a:spcAft>
+        <a:buFont typeface="Arial"/>
         <a:buChar char="»"/>
-        <a:defRPr sz="2000">
+        <a:defRPr sz="2000" kern="1200">
           <a:solidFill>
-            <a:schemeClr val="tx1">
-              <a:alpha val="100000"/>
-            </a:schemeClr>
+            <a:schemeClr val="tx1"/>
           </a:solidFill>
           <a:latin typeface="+mn-lt"/>
+          <a:ea typeface="+mn-ea"/>
+          <a:cs typeface="+mn-cs"/>
         </a:defRPr>
       </a:lvl5pPr>
-      <a:lvl6pPr marL="2514600" indent="-228600" algn="l" fontAlgn="base">
+      <a:lvl6pPr marL="2514600" indent="-228600" algn="l" rtl="0" latinLnBrk="0">
         <a:spcBef>
           <a:spcPct val="20000"/>
         </a:spcBef>
-        <a:spcAft>
-          <a:spcPct val="0"/>
-        </a:spcAft>
-        <a:buChar char="»"/>
-        <a:defRPr sz="2000">
+        <a:buFont typeface="Arial"/>
+        <a:buChar char="•"/>
+        <a:defRPr sz="2000" kern="1200">
           <a:solidFill>
-            <a:schemeClr val="tx1">
-              <a:alpha val="100000"/>
-            </a:schemeClr>
+            <a:schemeClr val="tx1"/>
           </a:solidFill>
           <a:latin typeface="+mn-lt"/>
+          <a:ea typeface="+mn-ea"/>
+          <a:cs typeface="+mn-cs"/>
         </a:defRPr>
       </a:lvl6pPr>
-      <a:lvl7pPr marL="2971800" indent="-228600" algn="l" fontAlgn="base">
+      <a:lvl7pPr marL="2971800" indent="-228600" algn="l" rtl="0" latinLnBrk="0">
         <a:spcBef>
           <a:spcPct val="20000"/>
         </a:spcBef>
-        <a:spcAft>
-          <a:spcPct val="0"/>
-        </a:spcAft>
-        <a:buChar char="»"/>
-        <a:defRPr sz="2000">
+        <a:buFont typeface="Arial"/>
+        <a:buChar char="•"/>
+        <a:defRPr sz="2000" kern="1200">
           <a:solidFill>
-            <a:schemeClr val="tx1">
-              <a:alpha val="100000"/>
-            </a:schemeClr>
+            <a:schemeClr val="tx1"/>
           </a:solidFill>
           <a:latin typeface="+mn-lt"/>
+          <a:ea typeface="+mn-ea"/>
+          <a:cs typeface="+mn-cs"/>
         </a:defRPr>
       </a:lvl7pPr>
-      <a:lvl8pPr marL="3429000" indent="-228600" algn="l" fontAlgn="base">
+      <a:lvl8pPr marL="3429000" indent="-228600" algn="l" rtl="0" latinLnBrk="0">
         <a:spcBef>
           <a:spcPct val="20000"/>
         </a:spcBef>
-        <a:spcAft>
-          <a:spcPct val="0"/>
-        </a:spcAft>
-        <a:buChar char="»"/>
-        <a:defRPr sz="2000">
+        <a:buFont typeface="Arial"/>
+        <a:buChar char="•"/>
+        <a:defRPr sz="2000" kern="1200">
           <a:solidFill>
-            <a:schemeClr val="tx1">
-              <a:alpha val="100000"/>
-            </a:schemeClr>
+            <a:schemeClr val="tx1"/>
           </a:solidFill>
           <a:latin typeface="+mn-lt"/>
+          <a:ea typeface="+mn-ea"/>
+          <a:cs typeface="+mn-cs"/>
         </a:defRPr>
       </a:lvl8pPr>
-      <a:lvl9pPr marL="3886200" indent="-228600" algn="l" fontAlgn="base">
+      <a:lvl9pPr marL="3886200" indent="-228600" algn="l" rtl="0" latinLnBrk="0">
         <a:spcBef>
           <a:spcPct val="20000"/>
         </a:spcBef>
-        <a:spcAft>
-          <a:spcPct val="0"/>
-        </a:spcAft>
-        <a:buChar char="»"/>
-        <a:defRPr sz="2000">
+        <a:buFont typeface="Arial"/>
+        <a:buChar char="•"/>
+        <a:defRPr sz="2000" kern="1200">
           <a:solidFill>
-            <a:schemeClr val="tx1">
-              <a:alpha val="100000"/>
-            </a:schemeClr>
+            <a:schemeClr val="tx1"/>
           </a:solidFill>
           <a:latin typeface="+mn-lt"/>
+          <a:ea typeface="+mn-ea"/>
+          <a:cs typeface="+mn-cs"/>
         </a:defRPr>
       </a:lvl9pPr>
     </p:bodyStyle>
-    <p:otherStyle/>
+    <p:otherStyle>
+      <a:lvl1pPr marL="0" algn="l" rtl="0">
+        <a:defRPr kern="1200">
+          <a:solidFill>
+            <a:schemeClr val="tx1"/>
+          </a:solidFill>
+          <a:latin typeface="+mn-lt"/>
+          <a:ea typeface="+mn-ea"/>
+          <a:cs typeface="+mn-cs"/>
+        </a:defRPr>
+      </a:lvl1pPr>
+      <a:lvl2pPr marL="457200" algn="l" rtl="0">
+        <a:defRPr kern="1200">
+          <a:solidFill>
+            <a:schemeClr val="tx1"/>
+          </a:solidFill>
+          <a:latin typeface="+mn-lt"/>
+          <a:ea typeface="+mn-ea"/>
+          <a:cs typeface="+mn-cs"/>
+        </a:defRPr>
+      </a:lvl2pPr>
+      <a:lvl3pPr marL="914400" algn="l" rtl="0">
+        <a:defRPr kern="1200">
+          <a:solidFill>
+            <a:schemeClr val="tx1"/>
+          </a:solidFill>
+          <a:latin typeface="+mn-lt"/>
+          <a:ea typeface="+mn-ea"/>
+          <a:cs typeface="+mn-cs"/>
+        </a:defRPr>
+      </a:lvl3pPr>
+      <a:lvl4pPr marL="1371600" algn="l" rtl="0">
+        <a:defRPr kern="1200">
+          <a:solidFill>
+            <a:schemeClr val="tx1"/>
+          </a:solidFill>
+          <a:latin typeface="+mn-lt"/>
+          <a:ea typeface="+mn-ea"/>
+          <a:cs typeface="+mn-cs"/>
+        </a:defRPr>
+      </a:lvl4pPr>
+      <a:lvl5pPr marL="1828800" algn="l" rtl="0">
+        <a:defRPr kern="1200">
+          <a:solidFill>
+            <a:schemeClr val="tx1"/>
+          </a:solidFill>
+          <a:latin typeface="+mn-lt"/>
+          <a:ea typeface="+mn-ea"/>
+          <a:cs typeface="+mn-cs"/>
+        </a:defRPr>
+      </a:lvl5pPr>
+      <a:lvl6pPr marL="2286000" algn="l" rtl="0">
+        <a:defRPr kern="1200">
+          <a:solidFill>
+            <a:schemeClr val="tx1"/>
+          </a:solidFill>
+          <a:latin typeface="+mn-lt"/>
+          <a:ea typeface="+mn-ea"/>
+          <a:cs typeface="+mn-cs"/>
+        </a:defRPr>
+      </a:lvl6pPr>
+      <a:lvl7pPr marL="2743200" algn="l" rtl="0">
+        <a:defRPr kern="1200">
+          <a:solidFill>
+            <a:schemeClr val="tx1"/>
+          </a:solidFill>
+          <a:latin typeface="+mn-lt"/>
+          <a:ea typeface="+mn-ea"/>
+          <a:cs typeface="+mn-cs"/>
+        </a:defRPr>
+      </a:lvl7pPr>
+      <a:lvl8pPr marL="3200400" algn="l" rtl="0">
+        <a:defRPr kern="1200">
+          <a:solidFill>
+            <a:schemeClr val="tx1"/>
+          </a:solidFill>
+          <a:latin typeface="+mn-lt"/>
+          <a:ea typeface="+mn-ea"/>
+          <a:cs typeface="+mn-cs"/>
+        </a:defRPr>
+      </a:lvl8pPr>
+      <a:lvl9pPr marL="3657600" algn="l" rtl="0">
+        <a:defRPr kern="1200">
+          <a:solidFill>
+            <a:schemeClr val="tx1"/>
+          </a:solidFill>
+          <a:latin typeface="+mn-lt"/>
+          <a:ea typeface="+mn-ea"/>
+          <a:cs typeface="+mn-cs"/>
+        </a:defRPr>
+      </a:lvl9pPr>
+    </p:otherStyle>
   </p:txStyles>
 </p:sldMaster>
 </file>
@@ -3041,7 +3090,7 @@
       </p:grpSpPr>
       <p:sp>
         <p:nvSpPr>
-          <p:cNvPr id="2053" name="Document"/>
+          <p:cNvPr id="4" name="Shape 3"/>
           <p:cNvSpPr>
             <a:spLocks noEditPoints="1" noChangeArrowheads="1"/>
           </p:cNvSpPr>
@@ -3049,8 +3098,8 @@
         </p:nvSpPr>
         <p:spPr bwMode="auto">
           <a:xfrm>
-            <a:off x="285720" y="214290"/>
-            <a:ext cx="1352550" cy="928694"/>
+            <a:off x="309530" y="214290"/>
+            <a:ext cx="1465263" cy="928694"/>
           </a:xfrm>
           <a:custGeom>
             <a:avLst/>
@@ -3155,40 +3204,25 @@
               </a:path>
             </a:pathLst>
           </a:custGeom>
-          <a:gradFill>
-            <a:gsLst>
-              <a:gs pos="0">
-                <a:schemeClr val="accent6">
-                  <a:tint val="60000"/>
-                </a:schemeClr>
-              </a:gs>
-              <a:gs pos="100000">
-                <a:schemeClr val="accent6">
-                  <a:tint val="20000"/>
-                </a:schemeClr>
-              </a:gs>
-            </a:gsLst>
-            <a:lin ang="5400000" scaled="1"/>
-          </a:gradFill>
-          <a:ln w="9525" cap="flat" cmpd="sng" algn="ctr">
-            <a:solidFill>
-              <a:srgbClr val="000000">
-                <a:alpha val="27000"/>
-              </a:srgbClr>
-            </a:solidFill>
-            <a:prstDash val="solid"/>
-            <a:miter lim="800000"/>
+          <a:ln>
             <a:headEnd type="none" w="med" len="med"/>
             <a:tailEnd type="none" w="med" len="med"/>
           </a:ln>
-          <a:effectLst>
-            <a:outerShdw blurRad="317500" dist="94454" dir="3360000" algn="tl" rotWithShape="0">
-              <a:srgbClr val="000000">
-                <a:alpha val="36000"/>
-              </a:srgbClr>
-            </a:outerShdw>
-          </a:effectLst>
         </p:spPr>
+        <p:style>
+          <a:lnRef idx="1">
+            <a:schemeClr val="accent1"/>
+          </a:lnRef>
+          <a:fillRef idx="2">
+            <a:schemeClr val="accent1"/>
+          </a:fillRef>
+          <a:effectRef idx="1">
+            <a:schemeClr val="accent1"/>
+          </a:effectRef>
+          <a:fontRef idx="minor">
+            <a:schemeClr val="dk1"/>
+          </a:fontRef>
+        </p:style>
         <p:txBody>
           <a:bodyPr vert="horz" wrap="square" lIns="91440" tIns="45720" rIns="91440" bIns="45720" anchor="ctr" compatLnSpc="1"/>
           <a:lstStyle/>
@@ -3258,7 +3292,7 @@
       </p:sp>
       <p:sp>
         <p:nvSpPr>
-          <p:cNvPr id="2054" name="AutoShape 6"/>
+          <p:cNvPr id="5" name="Rounded Rectangle 4"/>
           <p:cNvSpPr>
             <a:spLocks noChangeArrowheads="1"/>
           </p:cNvSpPr>
@@ -3266,8 +3300,8 @@
         </p:nvSpPr>
         <p:spPr bwMode="auto">
           <a:xfrm>
-            <a:off x="3000364" y="641259"/>
-            <a:ext cx="2057400" cy="762000"/>
+            <a:off x="3238488" y="500042"/>
+            <a:ext cx="2228850" cy="762000"/>
           </a:xfrm>
           <a:prstGeom prst="roundRect">
             <a:avLst>
@@ -3341,7 +3375,7 @@
       </p:sp>
       <p:sp>
         <p:nvSpPr>
-          <p:cNvPr id="2055" name="Document"/>
+          <p:cNvPr id="6" name="Shape 5"/>
           <p:cNvSpPr>
             <a:spLocks noEditPoints="1" noChangeArrowheads="1"/>
           </p:cNvSpPr>
@@ -3349,8 +3383,8 @@
         </p:nvSpPr>
         <p:spPr bwMode="auto">
           <a:xfrm>
-            <a:off x="5072066" y="2643182"/>
-            <a:ext cx="1352550" cy="914400"/>
+            <a:off x="5494738" y="2643182"/>
+            <a:ext cx="1465263" cy="914400"/>
           </a:xfrm>
           <a:custGeom>
             <a:avLst/>
@@ -3581,7 +3615,7 @@
       </p:sp>
       <p:sp>
         <p:nvSpPr>
-          <p:cNvPr id="2056" name="Document"/>
+          <p:cNvPr id="7" name="Shape 6"/>
           <p:cNvSpPr>
             <a:spLocks noEditPoints="1" noChangeArrowheads="1"/>
           </p:cNvSpPr>
@@ -3589,8 +3623,8 @@
         </p:nvSpPr>
         <p:spPr bwMode="auto">
           <a:xfrm>
-            <a:off x="3428992" y="2500306"/>
-            <a:ext cx="1371600" cy="914400"/>
+            <a:off x="3714741" y="2500306"/>
+            <a:ext cx="1485900" cy="914400"/>
           </a:xfrm>
           <a:custGeom>
             <a:avLst/>
@@ -3777,7 +3811,7 @@
       </p:sp>
       <p:cxnSp>
         <p:nvCxnSpPr>
-          <p:cNvPr id="2057" name="AutoShape 9"/>
+          <p:cNvPr id="8" name="Straight Arrow Connector 7"/>
           <p:cNvCxnSpPr>
             <a:cxnSpLocks noChangeShapeType="1"/>
             <a:stCxn id="2053" idx="3"/>
@@ -3787,8 +3821,8 @@
         </p:nvCxnSpPr>
         <p:spPr bwMode="auto">
           <a:xfrm>
-            <a:off x="1644908" y="672274"/>
-            <a:ext cx="1355456" cy="349985"/>
+            <a:off x="1781984" y="672274"/>
+            <a:ext cx="1456504" cy="208768"/>
           </a:xfrm>
           <a:prstGeom prst="straightConnector1">
             <a:avLst/>
@@ -3814,7 +3848,7 @@
       </p:cxnSp>
       <p:cxnSp>
         <p:nvCxnSpPr>
-          <p:cNvPr id="2058" name="AutoShape 10"/>
+          <p:cNvPr id="9" name="Straight Arrow Connector 8"/>
           <p:cNvCxnSpPr>
             <a:cxnSpLocks noChangeShapeType="1"/>
             <a:stCxn id="2054" idx="2"/>
@@ -3824,8 +3858,8 @@
         </p:nvCxnSpPr>
         <p:spPr bwMode="auto">
           <a:xfrm rot="5400000" flipV="1">
-            <a:off x="4265680" y="1166643"/>
-            <a:ext cx="1243352" cy="1716584"/>
+            <a:off x="4596399" y="1018556"/>
+            <a:ext cx="1384569" cy="1871540"/>
           </a:xfrm>
           <a:prstGeom prst="straightConnector1">
             <a:avLst/>
@@ -3851,7 +3885,7 @@
       </p:cxnSp>
       <p:cxnSp>
         <p:nvCxnSpPr>
-          <p:cNvPr id="2059" name="AutoShape 11"/>
+          <p:cNvPr id="10" name="Straight Arrow Connector 9"/>
           <p:cNvCxnSpPr>
             <a:cxnSpLocks noChangeShapeType="1"/>
             <a:stCxn id="2054" idx="2"/>
@@ -3861,8 +3895,8 @@
         </p:nvCxnSpPr>
         <p:spPr bwMode="auto">
           <a:xfrm rot="5400000" flipV="1">
-            <a:off x="3520325" y="1911998"/>
-            <a:ext cx="1100476" cy="82998"/>
+            <a:off x="3782977" y="1831978"/>
+            <a:ext cx="1241693" cy="101820"/>
           </a:xfrm>
           <a:prstGeom prst="straightConnector1">
             <a:avLst/>
@@ -3888,7 +3922,7 @@
       </p:cxnSp>
       <p:sp>
         <p:nvSpPr>
-          <p:cNvPr id="2060" name="Document"/>
+          <p:cNvPr id="11" name="Shape 10"/>
           <p:cNvSpPr>
             <a:spLocks noEditPoints="1" noChangeArrowheads="1"/>
           </p:cNvSpPr>
@@ -3896,8 +3930,8 @@
         </p:nvSpPr>
         <p:spPr bwMode="auto">
           <a:xfrm>
-            <a:off x="6786578" y="1883459"/>
-            <a:ext cx="1905000" cy="1219200"/>
+            <a:off x="7400939" y="1857356"/>
+            <a:ext cx="2063750" cy="1219200"/>
           </a:xfrm>
           <a:custGeom>
             <a:avLst/>
@@ -4002,40 +4036,25 @@
               </a:path>
             </a:pathLst>
           </a:custGeom>
-          <a:gradFill>
-            <a:gsLst>
-              <a:gs pos="0">
-                <a:schemeClr val="accent6">
-                  <a:tint val="60000"/>
-                </a:schemeClr>
-              </a:gs>
-              <a:gs pos="100000">
-                <a:schemeClr val="accent6">
-                  <a:tint val="20000"/>
-                </a:schemeClr>
-              </a:gs>
-            </a:gsLst>
-            <a:lin ang="5400000" scaled="1"/>
-          </a:gradFill>
-          <a:ln w="9525" cap="flat" cmpd="sng" algn="ctr">
-            <a:solidFill>
-              <a:srgbClr val="000000">
-                <a:alpha val="27000"/>
-              </a:srgbClr>
-            </a:solidFill>
-            <a:prstDash val="solid"/>
-            <a:miter lim="800000"/>
+          <a:ln>
             <a:headEnd type="none" w="med" len="med"/>
             <a:tailEnd type="none" w="med" len="med"/>
           </a:ln>
-          <a:effectLst>
-            <a:outerShdw blurRad="317500" dist="94454" dir="3360000" algn="tl" rotWithShape="0">
-              <a:srgbClr val="000000">
-                <a:alpha val="36000"/>
-              </a:srgbClr>
-            </a:outerShdw>
-          </a:effectLst>
         </p:spPr>
+        <p:style>
+          <a:lnRef idx="1">
+            <a:schemeClr val="accent1"/>
+          </a:lnRef>
+          <a:fillRef idx="2">
+            <a:schemeClr val="accent1"/>
+          </a:fillRef>
+          <a:effectRef idx="1">
+            <a:schemeClr val="accent1"/>
+          </a:effectRef>
+          <a:fontRef idx="minor">
+            <a:schemeClr val="dk1"/>
+          </a:fontRef>
+        </p:style>
         <p:txBody>
           <a:bodyPr vert="horz" wrap="square" lIns="91440" tIns="45720" rIns="91440" bIns="45720" anchor="ctr" compatLnSpc="1"/>
           <a:lstStyle/>
@@ -4138,7 +4157,7 @@
       </p:sp>
       <p:sp>
         <p:nvSpPr>
-          <p:cNvPr id="2061" name="AutoShape 13"/>
+          <p:cNvPr id="12" name="Rounded Rectangle 11"/>
           <p:cNvSpPr>
             <a:spLocks noChangeArrowheads="1"/>
           </p:cNvSpPr>
@@ -4146,8 +4165,8 @@
         </p:nvSpPr>
         <p:spPr bwMode="auto">
           <a:xfrm>
-            <a:off x="6286512" y="4286256"/>
-            <a:ext cx="2057400" cy="762000"/>
+            <a:off x="6810388" y="4286256"/>
+            <a:ext cx="2228850" cy="762000"/>
           </a:xfrm>
           <a:prstGeom prst="roundRect">
             <a:avLst>
@@ -4230,7 +4249,7 @@
       </p:sp>
       <p:cxnSp>
         <p:nvCxnSpPr>
-          <p:cNvPr id="2063" name="AutoShape 15"/>
+          <p:cNvPr id="13" name="Straight Arrow Connector 12"/>
           <p:cNvCxnSpPr>
             <a:cxnSpLocks noChangeShapeType="1"/>
             <a:stCxn id="2060" idx="0"/>
@@ -4240,8 +4259,8 @@
         </p:nvCxnSpPr>
         <p:spPr bwMode="auto">
           <a:xfrm flipH="1">
-            <a:off x="7315212" y="3104465"/>
-            <a:ext cx="420074" cy="1181791"/>
+            <a:off x="8585214" y="3104466"/>
+            <a:ext cx="493003" cy="1181791"/>
           </a:xfrm>
           <a:prstGeom prst="straightConnector1">
             <a:avLst/>
@@ -4267,7 +4286,7 @@
       </p:cxnSp>
       <p:sp>
         <p:nvSpPr>
-          <p:cNvPr id="2065" name="Rectangle 17"/>
+          <p:cNvPr id="14" name="Rectangle 13"/>
           <p:cNvSpPr>
             <a:spLocks noChangeArrowheads="1"/>
           </p:cNvSpPr>
@@ -4275,8 +4294,8 @@
         </p:nvSpPr>
         <p:spPr bwMode="auto">
           <a:xfrm>
-            <a:off x="6643702" y="5929330"/>
-            <a:ext cx="2057400" cy="685800"/>
+            <a:off x="8329633" y="5572132"/>
+            <a:ext cx="2228850" cy="685800"/>
           </a:xfrm>
           <a:prstGeom prst="rect">
             <a:avLst/>
@@ -4329,6 +4348,7 @@
               </a:rPr>
               <a:t>Business Objects </a:t>
             </a:r>
+            <a:endParaRPr lang="pl-PL"/>
           </a:p>
           <a:p>
             <a:pPr algn="ctr" fontAlgn="base">
@@ -4363,18 +4383,18 @@
       </p:sp>
       <p:cxnSp>
         <p:nvCxnSpPr>
-          <p:cNvPr id="2066" name="AutoShape 18"/>
+          <p:cNvPr id="15" name="Straight Arrow Connector 14"/>
           <p:cNvCxnSpPr>
             <a:cxnSpLocks noChangeShapeType="1"/>
-            <a:stCxn id="2061" idx="2"/>
-            <a:endCxn id="2065" idx="0"/>
+            <a:stCxn id="12" idx="2"/>
+            <a:endCxn id="14" idx="0"/>
           </p:cNvCxnSpPr>
           <p:nvPr/>
         </p:nvCxnSpPr>
         <p:spPr bwMode="auto">
           <a:xfrm rot="5400000" flipV="1">
-            <a:off x="7053270" y="5310198"/>
-            <a:ext cx="881074" cy="357190"/>
+            <a:off x="8422497" y="4550571"/>
+            <a:ext cx="523876" cy="1519245"/>
           </a:xfrm>
           <a:prstGeom prst="straightConnector1">
             <a:avLst/>
@@ -4382,7 +4402,7 @@
           <a:noFill/>
           <a:ln w="38100" cap="flat" cmpd="sng" algn="ctr">
             <a:solidFill>
-              <a:schemeClr val="tx1"/>
+              <a:prstClr val="black"/>
             </a:solidFill>
             <a:prstDash val="solid"/>
             <a:round/>
@@ -4400,18 +4420,18 @@
       </p:cxnSp>
       <p:cxnSp>
         <p:nvCxnSpPr>
-          <p:cNvPr id="2070" name="AutoShape 22"/>
+          <p:cNvPr id="16" name="Straight Arrow Connector 15"/>
           <p:cNvCxnSpPr>
             <a:cxnSpLocks noChangeShapeType="1"/>
-            <a:stCxn id="2054" idx="2"/>
-            <a:endCxn id="2060" idx="2"/>
+            <a:stCxn id="5" idx="2"/>
+            <a:endCxn id="11" idx="2"/>
           </p:cNvCxnSpPr>
           <p:nvPr/>
         </p:nvCxnSpPr>
         <p:spPr bwMode="auto">
           <a:xfrm rot="5400000" flipV="1">
-            <a:off x="5639789" y="-207466"/>
-            <a:ext cx="484772" cy="3706222"/>
+            <a:off x="6090866" y="-475912"/>
+            <a:ext cx="599886" cy="4075793"/>
           </a:xfrm>
           <a:prstGeom prst="straightConnector1">
             <a:avLst/>
@@ -4419,7 +4439,7 @@
           <a:noFill/>
           <a:ln w="31750" cap="flat" cmpd="sng" algn="ctr">
             <a:solidFill>
-              <a:schemeClr val="tx1"/>
+              <a:prstClr val="black"/>
             </a:solidFill>
             <a:prstDash val="sysDot"/>
             <a:round/>
@@ -4437,7 +4457,7 @@
       </p:cxnSp>
       <p:sp>
         <p:nvSpPr>
-          <p:cNvPr id="2072" name="Document"/>
+          <p:cNvPr id="17" name="Shape 16"/>
           <p:cNvSpPr>
             <a:spLocks noEditPoints="1" noChangeArrowheads="1"/>
           </p:cNvSpPr>
@@ -4445,8 +4465,8 @@
         </p:nvSpPr>
         <p:spPr bwMode="auto">
           <a:xfrm>
-            <a:off x="7072330" y="285728"/>
-            <a:ext cx="1728787" cy="914400"/>
+            <a:off x="7667644" y="357166"/>
+            <a:ext cx="1872853" cy="914400"/>
           </a:xfrm>
           <a:custGeom>
             <a:avLst/>
@@ -4651,7 +4671,7 @@
       </p:sp>
       <p:cxnSp>
         <p:nvCxnSpPr>
-          <p:cNvPr id="2073" name="AutoShape 25"/>
+          <p:cNvPr id="18" name="Straight Arrow Connector 17"/>
           <p:cNvCxnSpPr>
             <a:cxnSpLocks noChangeShapeType="1"/>
             <a:stCxn id="2054" idx="3"/>
@@ -4661,8 +4681,8 @@
         </p:nvCxnSpPr>
         <p:spPr bwMode="auto">
           <a:xfrm flipV="1">
-            <a:off x="5057764" y="745002"/>
-            <a:ext cx="2021369" cy="277257"/>
+            <a:off x="5467338" y="816440"/>
+            <a:ext cx="2207676" cy="64602"/>
           </a:xfrm>
           <a:prstGeom prst="straightConnector1">
             <a:avLst/>
@@ -4670,7 +4690,7 @@
           <a:noFill/>
           <a:ln w="9525" cap="flat" cmpd="sng" algn="ctr">
             <a:solidFill>
-              <a:schemeClr val="tx1"/>
+              <a:srgbClr val="000000"/>
             </a:solidFill>
             <a:prstDash val="sysDot"/>
             <a:miter lim="800000"/>
@@ -4688,7 +4708,7 @@
       </p:cxnSp>
       <p:sp>
         <p:nvSpPr>
-          <p:cNvPr id="2074" name="Text Box 26"/>
+          <p:cNvPr id="19" name="TextBox 18"/>
           <p:cNvSpPr txBox="1">
             <a:spLocks noChangeArrowheads="1"/>
           </p:cNvSpPr>
@@ -4696,8 +4716,8 @@
         </p:nvSpPr>
         <p:spPr bwMode="auto">
           <a:xfrm>
-            <a:off x="5286380" y="357166"/>
-            <a:ext cx="1714512" cy="523220"/>
+            <a:off x="5726912" y="357166"/>
+            <a:ext cx="1857388" cy="523220"/>
           </a:xfrm>
           <a:prstGeom prst="rect">
             <a:avLst/>
@@ -4800,7 +4820,7 @@
       </p:sp>
       <p:sp>
         <p:nvSpPr>
-          <p:cNvPr id="314" name="Rounded Rectangle 313"/>
+          <p:cNvPr id="20" name="Rounded Rectangle 19"/>
           <p:cNvSpPr>
             <a:spLocks noChangeArrowheads="1"/>
           </p:cNvSpPr>
@@ -4808,8 +4828,8 @@
         </p:nvSpPr>
         <p:spPr bwMode="auto">
           <a:xfrm>
-            <a:off x="785786" y="4286256"/>
-            <a:ext cx="2928958" cy="762000"/>
+            <a:off x="1738290" y="4357694"/>
+            <a:ext cx="3173038" cy="762000"/>
           </a:xfrm>
           <a:prstGeom prst="roundRect">
             <a:avLst>
@@ -4881,7 +4901,7 @@
       </p:sp>
       <p:sp>
         <p:nvSpPr>
-          <p:cNvPr id="317" name="Shape 316"/>
+          <p:cNvPr id="21" name="Shape 20"/>
           <p:cNvSpPr>
             <a:spLocks noEditPoints="1" noChangeArrowheads="1"/>
           </p:cNvSpPr>
@@ -4889,8 +4909,8 @@
         </p:nvSpPr>
         <p:spPr bwMode="auto">
           <a:xfrm>
-            <a:off x="1857356" y="2786058"/>
-            <a:ext cx="1352550" cy="914400"/>
+            <a:off x="2012135" y="2786058"/>
+            <a:ext cx="1465263" cy="914400"/>
           </a:xfrm>
           <a:custGeom>
             <a:avLst/>
@@ -5055,7 +5075,7 @@
       </p:sp>
       <p:sp>
         <p:nvSpPr>
-          <p:cNvPr id="318" name="Shape 317"/>
+          <p:cNvPr id="22" name="Shape 21"/>
           <p:cNvSpPr>
             <a:spLocks noEditPoints="1" noChangeArrowheads="1"/>
           </p:cNvSpPr>
@@ -5063,8 +5083,8 @@
         </p:nvSpPr>
         <p:spPr bwMode="auto">
           <a:xfrm>
-            <a:off x="285720" y="2500306"/>
-            <a:ext cx="1352550" cy="914400"/>
+            <a:off x="328577" y="2428860"/>
+            <a:ext cx="1465263" cy="914400"/>
           </a:xfrm>
           <a:custGeom>
             <a:avLst/>
@@ -5240,7 +5260,7 @@
       </p:sp>
       <p:cxnSp>
         <p:nvCxnSpPr>
-          <p:cNvPr id="333" name="Straight Arrow Connector 332"/>
+          <p:cNvPr id="23" name="Straight Arrow Connector 22"/>
           <p:cNvCxnSpPr>
             <a:cxnSpLocks noChangeShapeType="1"/>
             <a:stCxn id="2054" idx="2"/>
@@ -5250,8 +5270,8 @@
         </p:nvCxnSpPr>
         <p:spPr bwMode="auto">
           <a:xfrm rot="5400000">
-            <a:off x="1943945" y="418616"/>
-            <a:ext cx="1100476" cy="3069762"/>
+            <a:off x="2075233" y="226054"/>
+            <a:ext cx="1241693" cy="3313668"/>
           </a:xfrm>
           <a:prstGeom prst="straightConnector1">
             <a:avLst/>
@@ -5277,7 +5297,7 @@
       </p:cxnSp>
       <p:cxnSp>
         <p:nvCxnSpPr>
-          <p:cNvPr id="336" name="Straight Arrow Connector 335"/>
+          <p:cNvPr id="24" name="Straight Arrow Connector 23"/>
           <p:cNvCxnSpPr>
             <a:cxnSpLocks noChangeShapeType="1"/>
             <a:stCxn id="2054" idx="2"/>
@@ -5287,8 +5307,8 @@
         </p:nvCxnSpPr>
         <p:spPr bwMode="auto">
           <a:xfrm rot="5400000">
-            <a:off x="2586887" y="1347310"/>
-            <a:ext cx="1386228" cy="1498126"/>
+            <a:off x="2783660" y="1220233"/>
+            <a:ext cx="1527445" cy="1611063"/>
           </a:xfrm>
           <a:prstGeom prst="straightConnector1">
             <a:avLst/>
@@ -5314,7 +5334,7 @@
       </p:cxnSp>
       <p:cxnSp>
         <p:nvCxnSpPr>
-          <p:cNvPr id="420" name="Straight Arrow Connector 419"/>
+          <p:cNvPr id="25" name="Straight Arrow Connector 24"/>
           <p:cNvCxnSpPr>
             <a:cxnSpLocks noChangeShapeType="1"/>
             <a:stCxn id="318" idx="0"/>
@@ -5324,8 +5344,8 @@
         </p:nvCxnSpPr>
         <p:spPr bwMode="auto">
           <a:xfrm>
-            <a:off x="959302" y="3416061"/>
-            <a:ext cx="1290963" cy="870195"/>
+            <a:off x="1039245" y="3416061"/>
+            <a:ext cx="2285564" cy="941633"/>
           </a:xfrm>
           <a:prstGeom prst="straightConnector1">
             <a:avLst/>
@@ -5351,7 +5371,7 @@
       </p:cxnSp>
       <p:cxnSp>
         <p:nvCxnSpPr>
-          <p:cNvPr id="423" name="Straight Arrow Connector 422"/>
+          <p:cNvPr id="26" name="Straight Arrow Connector 25"/>
           <p:cNvCxnSpPr>
             <a:cxnSpLocks noChangeShapeType="1"/>
             <a:stCxn id="317" idx="0"/>
@@ -5360,9 +5380,9 @@
           <p:nvPr/>
         </p:nvCxnSpPr>
         <p:spPr bwMode="auto">
-          <a:xfrm flipH="1">
-            <a:off x="2250265" y="3701813"/>
-            <a:ext cx="280673" cy="584443"/>
+          <a:xfrm>
+            <a:off x="2741850" y="3701813"/>
+            <a:ext cx="582959" cy="655881"/>
           </a:xfrm>
           <a:prstGeom prst="straightConnector1">
             <a:avLst/>
@@ -5388,7 +5408,7 @@
       </p:cxnSp>
       <p:cxnSp>
         <p:nvCxnSpPr>
-          <p:cNvPr id="425" name="Straight Arrow Connector 424"/>
+          <p:cNvPr id="27" name="Straight Arrow Connector 26"/>
           <p:cNvCxnSpPr>
             <a:cxnSpLocks noChangeShapeType="1"/>
             <a:stCxn id="2056" idx="0"/>
@@ -5398,8 +5418,8 @@
         </p:nvCxnSpPr>
         <p:spPr bwMode="auto">
           <a:xfrm flipH="1">
-            <a:off x="2250265" y="3416061"/>
-            <a:ext cx="1861797" cy="870195"/>
+            <a:off x="3324809" y="3416061"/>
+            <a:ext cx="1129924" cy="941633"/>
           </a:xfrm>
           <a:prstGeom prst="straightConnector1">
             <a:avLst/>
@@ -5425,7 +5445,7 @@
       </p:cxnSp>
       <p:cxnSp>
         <p:nvCxnSpPr>
-          <p:cNvPr id="427" name="Straight Arrow Connector 426"/>
+          <p:cNvPr id="28" name="Straight Arrow Connector 27"/>
           <p:cNvCxnSpPr>
             <a:cxnSpLocks noChangeShapeType="1"/>
             <a:stCxn id="2055" idx="0"/>
@@ -5435,8 +5455,8 @@
         </p:nvCxnSpPr>
         <p:spPr bwMode="auto">
           <a:xfrm flipH="1">
-            <a:off x="2250265" y="3558937"/>
-            <a:ext cx="3495383" cy="727319"/>
+            <a:off x="3324809" y="3558937"/>
+            <a:ext cx="2899644" cy="798757"/>
           </a:xfrm>
           <a:prstGeom prst="straightConnector1">
             <a:avLst/>
@@ -5462,18 +5482,17 @@
       </p:cxnSp>
       <p:cxnSp>
         <p:nvCxnSpPr>
-          <p:cNvPr id="429" name="Straight Arrow Connector 428"/>
+          <p:cNvPr id="29" name="Straight Arrow Connector 28"/>
           <p:cNvCxnSpPr>
             <a:cxnSpLocks noChangeShapeType="1"/>
-            <a:stCxn id="314" idx="2"/>
-            <a:endCxn id="432" idx="0"/>
+            <a:endCxn id="30" idx="1"/>
           </p:cNvCxnSpPr>
           <p:nvPr/>
         </p:nvCxnSpPr>
         <p:spPr bwMode="auto">
-          <a:xfrm rot="5400000" flipV="1">
-            <a:off x="2306218" y="4992302"/>
-            <a:ext cx="595322" cy="707229"/>
+          <a:xfrm>
+            <a:off x="3324810" y="5119695"/>
+            <a:ext cx="1075733" cy="581023"/>
           </a:xfrm>
           <a:prstGeom prst="straightConnector1">
             <a:avLst/>
@@ -5499,7 +5518,7 @@
       </p:cxnSp>
       <p:sp>
         <p:nvSpPr>
-          <p:cNvPr id="432" name="Rectangle 431"/>
+          <p:cNvPr id="30" name="Rectangle 29"/>
           <p:cNvSpPr>
             <a:spLocks noChangeArrowheads="1"/>
           </p:cNvSpPr>
@@ -5507,8 +5526,8 @@
         </p:nvSpPr>
         <p:spPr bwMode="auto">
           <a:xfrm>
-            <a:off x="1928794" y="5643578"/>
-            <a:ext cx="2057400" cy="685800"/>
+            <a:off x="4400543" y="5357818"/>
+            <a:ext cx="2228850" cy="685800"/>
           </a:xfrm>
           <a:prstGeom prst="rect">
             <a:avLst/>
@@ -5596,18 +5615,18 @@
       </p:sp>
       <p:cxnSp>
         <p:nvCxnSpPr>
-          <p:cNvPr id="448" name="Straight Arrow Connector 447"/>
+          <p:cNvPr id="31" name="Straight Arrow Connector 30"/>
           <p:cNvCxnSpPr>
             <a:cxnSpLocks noChangeShapeType="1"/>
-            <a:stCxn id="432" idx="3"/>
-            <a:endCxn id="2061" idx="1"/>
+            <a:stCxn id="30" idx="0"/>
+            <a:endCxn id="12" idx="1"/>
           </p:cNvCxnSpPr>
           <p:nvPr/>
         </p:nvCxnSpPr>
         <p:spPr bwMode="auto">
-          <a:xfrm flipV="1">
-            <a:off x="3986194" y="4667256"/>
-            <a:ext cx="2300318" cy="1319222"/>
+          <a:xfrm rot="16200000">
+            <a:off x="5817397" y="4364827"/>
+            <a:ext cx="690562" cy="1295420"/>
           </a:xfrm>
           <a:prstGeom prst="straightConnector1">
             <a:avLst/>
@@ -5631,6 +5650,683 @@
           </a:effectLst>
         </p:spPr>
       </p:cxnSp>
+      <p:sp>
+        <p:nvSpPr>
+          <p:cNvPr id="32" name="Rectangle 31"/>
+          <p:cNvSpPr/>
+          <p:nvPr/>
+        </p:nvSpPr>
+        <p:spPr>
+          <a:xfrm>
+            <a:off x="280987" y="6303226"/>
+            <a:ext cx="4720861" cy="2412181"/>
+          </a:xfrm>
+          <a:prstGeom prst="rect">
+            <a:avLst/>
+          </a:prstGeom>
+          <a:ln w="25400" cap="rnd" cmpd="sng" algn="ctr">
+            <a:solidFill>
+              <a:schemeClr val="tx2">
+                <a:shade val="50000"/>
+              </a:schemeClr>
+            </a:solidFill>
+            <a:prstDash val="solid"/>
+          </a:ln>
+        </p:spPr>
+        <p:style>
+          <a:lnRef idx="2">
+            <a:schemeClr val="accent6"/>
+          </a:lnRef>
+          <a:fillRef idx="1">
+            <a:schemeClr val="lt1"/>
+          </a:fillRef>
+          <a:effectRef idx="0">
+            <a:schemeClr val="accent6"/>
+          </a:effectRef>
+          <a:fontRef idx="minor">
+            <a:schemeClr val="dk1"/>
+          </a:fontRef>
+        </p:style>
+        <p:txBody>
+          <a:bodyPr rtlCol="0" anchor="ctr"/>
+          <a:lstStyle/>
+          <a:p>
+            <a:pPr algn="ctr"/>
+            <a:endParaRPr lang="pl-PL"/>
+          </a:p>
+        </p:txBody>
+      </p:sp>
+      <p:sp>
+        <p:nvSpPr>
+          <p:cNvPr id="33" name="Shape 32"/>
+          <p:cNvSpPr>
+            <a:spLocks noEditPoints="1" noChangeArrowheads="1"/>
+          </p:cNvSpPr>
+          <p:nvPr/>
+        </p:nvSpPr>
+        <p:spPr bwMode="auto">
+          <a:xfrm>
+            <a:off x="435734" y="6500826"/>
+            <a:ext cx="2089562" cy="928694"/>
+          </a:xfrm>
+          <a:custGeom>
+            <a:avLst/>
+            <a:gdLst>
+              <a:gd name="T0" fmla="*/ 10757 w 21600"/>
+              <a:gd name="T1" fmla="*/ 21632 h 21600"/>
+              <a:gd name="T2" fmla="*/ 85 w 21600"/>
+              <a:gd name="T3" fmla="*/ 10849 h 21600"/>
+              <a:gd name="T4" fmla="*/ 10757 w 21600"/>
+              <a:gd name="T5" fmla="*/ 81 h 21600"/>
+              <a:gd name="T6" fmla="*/ 21706 w 21600"/>
+              <a:gd name="T7" fmla="*/ 10652 h 21600"/>
+              <a:gd name="T8" fmla="*/ 10757 w 21600"/>
+              <a:gd name="T9" fmla="*/ 21632 h 21600"/>
+              <a:gd name="T10" fmla="*/ 0 w 21600"/>
+              <a:gd name="T11" fmla="*/ 0 h 21600"/>
+              <a:gd name="T12" fmla="*/ 21600 w 21600"/>
+              <a:gd name="T13" fmla="*/ 0 h 21600"/>
+              <a:gd name="T14" fmla="*/ 21600 w 21600"/>
+              <a:gd name="T15" fmla="*/ 21600 h 21600"/>
+              <a:gd name="T16" fmla="*/ 977 w 21600"/>
+              <a:gd name="T17" fmla="*/ 818 h 21600"/>
+              <a:gd name="T18" fmla="*/ 20622 w 21600"/>
+              <a:gd name="T19" fmla="*/ 16429 h 21600"/>
+            </a:gdLst>
+            <a:ahLst/>
+            <a:cxnLst>
+              <a:cxn ang="0">
+                <a:pos x="T0" y="T1"/>
+              </a:cxn>
+              <a:cxn ang="0">
+                <a:pos x="T2" y="T3"/>
+              </a:cxn>
+              <a:cxn ang="0">
+                <a:pos x="T4" y="T5"/>
+              </a:cxn>
+              <a:cxn ang="0">
+                <a:pos x="T6" y="T7"/>
+              </a:cxn>
+              <a:cxn ang="0">
+                <a:pos x="T8" y="T9"/>
+              </a:cxn>
+              <a:cxn ang="0">
+                <a:pos x="T10" y="T11"/>
+              </a:cxn>
+              <a:cxn ang="0">
+                <a:pos x="T12" y="T13"/>
+              </a:cxn>
+              <a:cxn ang="0">
+                <a:pos x="T14" y="T15"/>
+              </a:cxn>
+            </a:cxnLst>
+            <a:rect l="T16" t="T17" r="T18" b="T19"/>
+            <a:pathLst>
+              <a:path w="21600" h="21600">
+                <a:moveTo>
+                  <a:pt x="10757" y="21632"/>
+                </a:moveTo>
+                <a:lnTo>
+                  <a:pt x="5187" y="21632"/>
+                </a:lnTo>
+                <a:lnTo>
+                  <a:pt x="85" y="17509"/>
+                </a:lnTo>
+                <a:lnTo>
+                  <a:pt x="85" y="10849"/>
+                </a:lnTo>
+                <a:lnTo>
+                  <a:pt x="85" y="81"/>
+                </a:lnTo>
+                <a:lnTo>
+                  <a:pt x="10757" y="81"/>
+                </a:lnTo>
+                <a:lnTo>
+                  <a:pt x="21706" y="81"/>
+                </a:lnTo>
+                <a:lnTo>
+                  <a:pt x="21706" y="10652"/>
+                </a:lnTo>
+                <a:lnTo>
+                  <a:pt x="21706" y="21632"/>
+                </a:lnTo>
+                <a:lnTo>
+                  <a:pt x="10757" y="21632"/>
+                </a:lnTo>
+                <a:close/>
+              </a:path>
+              <a:path w="21600" h="21600">
+                <a:moveTo>
+                  <a:pt x="85" y="17509"/>
+                </a:moveTo>
+                <a:lnTo>
+                  <a:pt x="5187" y="17509"/>
+                </a:lnTo>
+                <a:lnTo>
+                  <a:pt x="5187" y="21632"/>
+                </a:lnTo>
+                <a:lnTo>
+                  <a:pt x="85" y="17509"/>
+                </a:lnTo>
+                <a:close/>
+              </a:path>
+            </a:pathLst>
+          </a:custGeom>
+          <a:ln>
+            <a:headEnd type="none" w="med" len="med"/>
+            <a:tailEnd type="none" w="med" len="med"/>
+          </a:ln>
+        </p:spPr>
+        <p:style>
+          <a:lnRef idx="1">
+            <a:schemeClr val="accent1"/>
+          </a:lnRef>
+          <a:fillRef idx="2">
+            <a:schemeClr val="accent1"/>
+          </a:fillRef>
+          <a:effectRef idx="1">
+            <a:schemeClr val="accent1"/>
+          </a:effectRef>
+          <a:fontRef idx="minor">
+            <a:schemeClr val="dk1"/>
+          </a:fontRef>
+        </p:style>
+        <p:txBody>
+          <a:bodyPr vert="horz" wrap="square" lIns="91440" tIns="45720" rIns="91440" bIns="45720" anchor="ctr" compatLnSpc="1"/>
+          <a:lstStyle/>
+          <a:p>
+            <a:pPr algn="ctr" fontAlgn="base">
+              <a:spcBef>
+                <a:spcPct val="0"/>
+              </a:spcBef>
+              <a:spcAft>
+                <a:spcPct val="0"/>
+              </a:spcAft>
+            </a:pPr>
+            <a:r>
+              <a:rPr lang="pl-PL" sz="1400" dirty="0" err="1" smtClean="0">
+                <a:solidFill>
+                  <a:schemeClr val="tx1">
+                    <a:alpha val="100000"/>
+                  </a:schemeClr>
+                </a:solidFill>
+                <a:latin typeface="Verdana"/>
+              </a:rPr>
+              <a:t>User-Provided</a:t>
+            </a:r>
+            <a:endParaRPr lang="pl-PL" sz="1400" dirty="0">
+              <a:solidFill>
+                <a:schemeClr val="tx1">
+                  <a:alpha val="100000"/>
+                </a:schemeClr>
+              </a:solidFill>
+              <a:latin typeface="Verdana"/>
+            </a:endParaRPr>
+          </a:p>
+          <a:p>
+            <a:pPr algn="ctr" fontAlgn="base">
+              <a:spcBef>
+                <a:spcPct val="0"/>
+              </a:spcBef>
+              <a:spcAft>
+                <a:spcPct val="0"/>
+              </a:spcAft>
+            </a:pPr>
+            <a:r>
+              <a:rPr lang="pl-PL" sz="1400" dirty="0" err="1" smtClean="0">
+                <a:solidFill>
+                  <a:schemeClr val="tx1">
+                    <a:alpha val="100000"/>
+                  </a:schemeClr>
+                </a:solidFill>
+                <a:latin typeface="Verdana"/>
+              </a:rPr>
+              <a:t>Source</a:t>
+            </a:r>
+            <a:r>
+              <a:rPr lang="pl-PL" sz="1400" dirty="0" smtClean="0">
+                <a:solidFill>
+                  <a:schemeClr val="tx1">
+                    <a:alpha val="100000"/>
+                  </a:schemeClr>
+                </a:solidFill>
+                <a:latin typeface="Verdana"/>
+              </a:rPr>
+              <a:t> </a:t>
+            </a:r>
+            <a:r>
+              <a:rPr lang="pl-PL" sz="1400" dirty="0" err="1" smtClean="0">
+                <a:solidFill>
+                  <a:schemeClr val="tx1">
+                    <a:alpha val="100000"/>
+                  </a:schemeClr>
+                </a:solidFill>
+                <a:latin typeface="Verdana"/>
+              </a:rPr>
+              <a:t>Code</a:t>
+            </a:r>
+            <a:endParaRPr lang="pl-PL" sz="1400" noProof="1">
+              <a:solidFill>
+                <a:schemeClr val="tx1">
+                  <a:alpha val="100000"/>
+                </a:schemeClr>
+              </a:solidFill>
+              <a:latin typeface="Verdana"/>
+            </a:endParaRPr>
+          </a:p>
+        </p:txBody>
+      </p:sp>
+      <p:sp>
+        <p:nvSpPr>
+          <p:cNvPr id="34" name="Rounded Rectangle 33"/>
+          <p:cNvSpPr>
+            <a:spLocks noChangeArrowheads="1"/>
+          </p:cNvSpPr>
+          <p:nvPr/>
+        </p:nvSpPr>
+        <p:spPr bwMode="auto">
+          <a:xfrm>
+            <a:off x="435734" y="7643834"/>
+            <a:ext cx="2089562" cy="762000"/>
+          </a:xfrm>
+          <a:prstGeom prst="roundRect">
+            <a:avLst>
+              <a:gd name="adj" fmla="val 16667"/>
+            </a:avLst>
+          </a:prstGeom>
+          <a:gradFill flip="none" rotWithShape="1">
+            <a:gsLst>
+              <a:gs pos="0">
+                <a:srgbClr val="FFC000"/>
+              </a:gs>
+              <a:gs pos="100000">
+                <a:srgbClr val="FF9933"/>
+              </a:gs>
+            </a:gsLst>
+            <a:lin ang="5400000" scaled="1"/>
+            <a:tileRect/>
+          </a:gradFill>
+          <a:ln w="12700" cap="flat" cmpd="sng" algn="ctr">
+            <a:solidFill>
+              <a:schemeClr val="tx1">
+                <a:alpha val="36000"/>
+              </a:schemeClr>
+            </a:solidFill>
+            <a:prstDash val="solid"/>
+            <a:round/>
+            <a:headEnd type="none" w="med" len="med"/>
+            <a:tailEnd type="none" w="med" len="med"/>
+          </a:ln>
+          <a:effectLst>
+            <a:outerShdw blurRad="317500" dist="94454" dir="3360000" algn="tl" rotWithShape="0">
+              <a:srgbClr val="000000">
+                <a:alpha val="36000"/>
+              </a:srgbClr>
+            </a:outerShdw>
+          </a:effectLst>
+        </p:spPr>
+        <p:txBody>
+          <a:bodyPr vert="horz" wrap="none" lIns="91440" tIns="45720" rIns="91440" bIns="45720" anchor="ctr" compatLnSpc="1"/>
+          <a:lstStyle/>
+          <a:p>
+            <a:pPr algn="ctr" fontAlgn="base">
+              <a:spcBef>
+                <a:spcPct val="0"/>
+              </a:spcBef>
+              <a:spcAft>
+                <a:spcPct val="0"/>
+              </a:spcAft>
+            </a:pPr>
+            <a:r>
+              <a:rPr lang="pl-PL" sz="1600" b="1" dirty="0" err="1" smtClean="0">
+                <a:solidFill>
+                  <a:schemeClr val="tx1">
+                    <a:alpha val="100000"/>
+                  </a:schemeClr>
+                </a:solidFill>
+                <a:latin typeface="Verdana"/>
+              </a:rPr>
+              <a:t>Executable</a:t>
+            </a:r>
+            <a:r>
+              <a:rPr lang="pl-PL" sz="1600" b="1" dirty="0" smtClean="0">
+                <a:solidFill>
+                  <a:schemeClr val="tx1">
+                    <a:alpha val="100000"/>
+                  </a:schemeClr>
+                </a:solidFill>
+                <a:latin typeface="Verdana"/>
+              </a:rPr>
+              <a:t> </a:t>
+            </a:r>
+            <a:endParaRPr lang="pl-PL"/>
+          </a:p>
+          <a:p>
+            <a:pPr algn="ctr" fontAlgn="base">
+              <a:spcBef>
+                <a:spcPct val="0"/>
+              </a:spcBef>
+              <a:spcAft>
+                <a:spcPct val="0"/>
+              </a:spcAft>
+            </a:pPr>
+            <a:r>
+              <a:rPr lang="pl-PL" sz="1600" b="1" dirty="0" smtClean="0">
+                <a:solidFill>
+                  <a:schemeClr val="tx1">
+                    <a:alpha val="100000"/>
+                  </a:schemeClr>
+                </a:solidFill>
+                <a:latin typeface="Verdana"/>
+              </a:rPr>
+              <a:t>Program</a:t>
+            </a:r>
+            <a:endParaRPr lang="pl-PL" sz="1600" b="1" noProof="1">
+              <a:solidFill>
+                <a:schemeClr val="tx1">
+                  <a:alpha val="100000"/>
+                </a:schemeClr>
+              </a:solidFill>
+              <a:latin typeface="Verdana"/>
+            </a:endParaRPr>
+          </a:p>
+        </p:txBody>
+      </p:sp>
+      <p:sp>
+        <p:nvSpPr>
+          <p:cNvPr id="35" name="Shape 34"/>
+          <p:cNvSpPr>
+            <a:spLocks noEditPoints="1" noChangeArrowheads="1"/>
+          </p:cNvSpPr>
+          <p:nvPr/>
+        </p:nvSpPr>
+        <p:spPr bwMode="auto">
+          <a:xfrm>
+            <a:off x="2757469" y="6500826"/>
+            <a:ext cx="2089562" cy="914400"/>
+          </a:xfrm>
+          <a:custGeom>
+            <a:avLst/>
+            <a:gdLst>
+              <a:gd name="T0" fmla="*/ 10757 w 21600"/>
+              <a:gd name="T1" fmla="*/ 21632 h 21600"/>
+              <a:gd name="T2" fmla="*/ 85 w 21600"/>
+              <a:gd name="T3" fmla="*/ 10849 h 21600"/>
+              <a:gd name="T4" fmla="*/ 10757 w 21600"/>
+              <a:gd name="T5" fmla="*/ 81 h 21600"/>
+              <a:gd name="T6" fmla="*/ 21706 w 21600"/>
+              <a:gd name="T7" fmla="*/ 10652 h 21600"/>
+              <a:gd name="T8" fmla="*/ 10757 w 21600"/>
+              <a:gd name="T9" fmla="*/ 21632 h 21600"/>
+              <a:gd name="T10" fmla="*/ 0 w 21600"/>
+              <a:gd name="T11" fmla="*/ 0 h 21600"/>
+              <a:gd name="T12" fmla="*/ 21600 w 21600"/>
+              <a:gd name="T13" fmla="*/ 0 h 21600"/>
+              <a:gd name="T14" fmla="*/ 21600 w 21600"/>
+              <a:gd name="T15" fmla="*/ 21600 h 21600"/>
+              <a:gd name="T16" fmla="*/ 977 w 21600"/>
+              <a:gd name="T17" fmla="*/ 818 h 21600"/>
+              <a:gd name="T18" fmla="*/ 20622 w 21600"/>
+              <a:gd name="T19" fmla="*/ 16429 h 21600"/>
+            </a:gdLst>
+            <a:ahLst/>
+            <a:cxnLst>
+              <a:cxn ang="0">
+                <a:pos x="T0" y="T1"/>
+              </a:cxn>
+              <a:cxn ang="0">
+                <a:pos x="T2" y="T3"/>
+              </a:cxn>
+              <a:cxn ang="0">
+                <a:pos x="T4" y="T5"/>
+              </a:cxn>
+              <a:cxn ang="0">
+                <a:pos x="T6" y="T7"/>
+              </a:cxn>
+              <a:cxn ang="0">
+                <a:pos x="T8" y="T9"/>
+              </a:cxn>
+              <a:cxn ang="0">
+                <a:pos x="T10" y="T11"/>
+              </a:cxn>
+              <a:cxn ang="0">
+                <a:pos x="T12" y="T13"/>
+              </a:cxn>
+              <a:cxn ang="0">
+                <a:pos x="T14" y="T15"/>
+              </a:cxn>
+            </a:cxnLst>
+            <a:rect l="T16" t="T17" r="T18" b="T19"/>
+            <a:pathLst>
+              <a:path w="21600" h="21600">
+                <a:moveTo>
+                  <a:pt x="10757" y="21632"/>
+                </a:moveTo>
+                <a:lnTo>
+                  <a:pt x="5187" y="21632"/>
+                </a:lnTo>
+                <a:lnTo>
+                  <a:pt x="85" y="17509"/>
+                </a:lnTo>
+                <a:lnTo>
+                  <a:pt x="85" y="10849"/>
+                </a:lnTo>
+                <a:lnTo>
+                  <a:pt x="85" y="81"/>
+                </a:lnTo>
+                <a:lnTo>
+                  <a:pt x="10757" y="81"/>
+                </a:lnTo>
+                <a:lnTo>
+                  <a:pt x="21706" y="81"/>
+                </a:lnTo>
+                <a:lnTo>
+                  <a:pt x="21706" y="10652"/>
+                </a:lnTo>
+                <a:lnTo>
+                  <a:pt x="21706" y="21632"/>
+                </a:lnTo>
+                <a:lnTo>
+                  <a:pt x="10757" y="21632"/>
+                </a:lnTo>
+                <a:close/>
+              </a:path>
+              <a:path w="21600" h="21600">
+                <a:moveTo>
+                  <a:pt x="85" y="17509"/>
+                </a:moveTo>
+                <a:lnTo>
+                  <a:pt x="5187" y="17509"/>
+                </a:lnTo>
+                <a:lnTo>
+                  <a:pt x="5187" y="21632"/>
+                </a:lnTo>
+                <a:lnTo>
+                  <a:pt x="85" y="17509"/>
+                </a:lnTo>
+                <a:close/>
+              </a:path>
+            </a:pathLst>
+          </a:custGeom>
+          <a:solidFill>
+            <a:srgbClr val="FFFFCC">
+              <a:alpha val="91000"/>
+            </a:srgbClr>
+          </a:solidFill>
+          <a:ln w="9525" cap="flat" cmpd="sng" algn="ctr">
+            <a:solidFill>
+              <a:srgbClr val="000000">
+                <a:alpha val="30000"/>
+              </a:srgbClr>
+            </a:solidFill>
+            <a:prstDash val="solid"/>
+            <a:miter lim="800000"/>
+            <a:headEnd type="none" w="med" len="med"/>
+            <a:tailEnd type="none" w="med" len="med"/>
+          </a:ln>
+          <a:effectLst>
+            <a:outerShdw blurRad="317500" dist="94454" dir="3360000" algn="tl" rotWithShape="0">
+              <a:srgbClr val="000000">
+                <a:alpha val="36000"/>
+              </a:srgbClr>
+            </a:outerShdw>
+          </a:effectLst>
+        </p:spPr>
+        <p:txBody>
+          <a:bodyPr vert="horz" wrap="square" lIns="91440" tIns="45720" rIns="91440" bIns="45720" anchor="ctr" compatLnSpc="1"/>
+          <a:lstStyle/>
+          <a:p>
+            <a:pPr algn="ctr" fontAlgn="base">
+              <a:spcBef>
+                <a:spcPct val="0"/>
+              </a:spcBef>
+              <a:spcAft>
+                <a:spcPct val="0"/>
+              </a:spcAft>
+            </a:pPr>
+            <a:r>
+              <a:rPr lang="pl-PL" sz="1400" dirty="0" err="1" smtClean="0">
+                <a:solidFill>
+                  <a:schemeClr val="tx1">
+                    <a:alpha val="100000"/>
+                  </a:schemeClr>
+                </a:solidFill>
+                <a:latin typeface="Verdana"/>
+              </a:rPr>
+              <a:t>Generated</a:t>
+            </a:r>
+            <a:r>
+              <a:rPr lang="pl-PL" sz="1400" dirty="0" smtClean="0">
+                <a:solidFill>
+                  <a:schemeClr val="tx1">
+                    <a:alpha val="100000"/>
+                  </a:schemeClr>
+                </a:solidFill>
+                <a:latin typeface="Verdana"/>
+              </a:rPr>
+              <a:t> </a:t>
+            </a:r>
+            <a:r>
+              <a:rPr lang="pl-PL" sz="1400" dirty="0" err="1" smtClean="0">
+                <a:solidFill>
+                  <a:schemeClr val="tx1">
+                    <a:alpha val="100000"/>
+                  </a:schemeClr>
+                </a:solidFill>
+                <a:latin typeface="Verdana"/>
+              </a:rPr>
+              <a:t>Source</a:t>
+            </a:r>
+            <a:r>
+              <a:rPr lang="pl-PL" sz="1400" dirty="0" smtClean="0">
+                <a:solidFill>
+                  <a:schemeClr val="tx1">
+                    <a:alpha val="100000"/>
+                  </a:schemeClr>
+                </a:solidFill>
+                <a:latin typeface="Verdana"/>
+              </a:rPr>
+              <a:t> </a:t>
+            </a:r>
+            <a:r>
+              <a:rPr lang="pl-PL" sz="1400" dirty="0" err="1" smtClean="0">
+                <a:solidFill>
+                  <a:schemeClr val="tx1">
+                    <a:alpha val="100000"/>
+                  </a:schemeClr>
+                </a:solidFill>
+                <a:latin typeface="Verdana"/>
+              </a:rPr>
+              <a:t>Files</a:t>
+            </a:r>
+            <a:endParaRPr lang="pl-PL" sz="1400" dirty="0">
+              <a:solidFill>
+                <a:schemeClr val="tx1">
+                  <a:alpha val="100000"/>
+                </a:schemeClr>
+              </a:solidFill>
+              <a:latin typeface="Verdana"/>
+            </a:endParaRPr>
+          </a:p>
+        </p:txBody>
+      </p:sp>
+      <p:sp>
+        <p:nvSpPr>
+          <p:cNvPr id="36" name="Rectangle 35"/>
+          <p:cNvSpPr>
+            <a:spLocks noChangeArrowheads="1"/>
+          </p:cNvSpPr>
+          <p:nvPr/>
+        </p:nvSpPr>
+        <p:spPr bwMode="auto">
+          <a:xfrm>
+            <a:off x="2757469" y="7658935"/>
+            <a:ext cx="2089562" cy="785818"/>
+          </a:xfrm>
+          <a:prstGeom prst="rect">
+            <a:avLst/>
+          </a:prstGeom>
+          <a:pattFill prst="wdUpDiag">
+            <a:fgClr>
+              <a:srgbClr val="EAEAEA"/>
+            </a:fgClr>
+            <a:bgClr>
+              <a:schemeClr val="bg1"/>
+            </a:bgClr>
+          </a:pattFill>
+          <a:ln w="9525" cap="flat" cmpd="sng" algn="ctr">
+            <a:solidFill>
+              <a:schemeClr val="tx1">
+                <a:alpha val="33000"/>
+              </a:schemeClr>
+            </a:solidFill>
+            <a:prstDash val="solid"/>
+            <a:miter lim="800000"/>
+            <a:headEnd type="none" w="med" len="med"/>
+            <a:tailEnd type="none" w="med" len="med"/>
+          </a:ln>
+          <a:effectLst>
+            <a:outerShdw blurRad="317500" dist="94454" dir="3360000" algn="tl" rotWithShape="0">
+              <a:srgbClr val="000000">
+                <a:alpha val="36000"/>
+              </a:srgbClr>
+            </a:outerShdw>
+          </a:effectLst>
+        </p:spPr>
+        <p:txBody>
+          <a:bodyPr vert="horz" wrap="none" lIns="91440" tIns="45720" rIns="91440" bIns="45720" anchor="ctr" compatLnSpc="1"/>
+          <a:lstStyle/>
+          <a:p>
+            <a:pPr algn="ctr" fontAlgn="base">
+              <a:spcBef>
+                <a:spcPct val="0"/>
+              </a:spcBef>
+              <a:spcAft>
+                <a:spcPct val="0"/>
+              </a:spcAft>
+            </a:pPr>
+            <a:r>
+              <a:rPr lang="pl-PL" sz="1400" dirty="0" err="1" smtClean="0">
+                <a:solidFill>
+                  <a:schemeClr val="tx1">
+                    <a:alpha val="100000"/>
+                  </a:schemeClr>
+                </a:solidFill>
+                <a:latin typeface="Verdana"/>
+              </a:rPr>
+              <a:t>Assembly</a:t>
+            </a:r>
+            <a:endParaRPr lang="pl-PL" sz="1400" noProof="1">
+              <a:solidFill>
+                <a:schemeClr val="tx1">
+                  <a:alpha val="100000"/>
+                </a:schemeClr>
+              </a:solidFill>
+              <a:latin typeface="Verdana"/>
+            </a:endParaRPr>
+          </a:p>
+        </p:txBody>
+      </p:sp>
     </p:spTree>
   </p:cSld>
   <p:clrMapOvr>
@@ -5647,56 +6343,114 @@
 </file>
 
 <file path=ppt/theme/theme1.xml><?xml version="1.0" encoding="utf-8"?>
-<a:theme xmlns:a="http://schemas.openxmlformats.org/drawingml/2006/3/main" name="Projekt domyślny">
+<a:theme xmlns:a="http://schemas.openxmlformats.org/drawingml/2006/3/main" name="Office Theme">
   <a:themeElements>
-    <a:clrScheme name="Projekt domyślny 2">
+    <a:clrScheme name="Office">
       <a:dk1>
-        <a:srgbClr val="000000"/>
+        <a:sysClr val="windowText"/>
       </a:dk1>
       <a:lt1>
-        <a:srgbClr val="FFFFFF"/>
+        <a:sysClr val="window"/>
       </a:lt1>
       <a:dk2>
-        <a:srgbClr val="000000"/>
+        <a:srgbClr val="1F497D"/>
       </a:dk2>
       <a:lt2>
-        <a:srgbClr val="808080"/>
+        <a:srgbClr val="EEECE1"/>
       </a:lt2>
       <a:accent1>
-        <a:srgbClr val="00CC99"/>
+        <a:srgbClr val="4F81BD"/>
       </a:accent1>
       <a:accent2>
-        <a:srgbClr val="3333CC"/>
+        <a:srgbClr val="C0504D"/>
       </a:accent2>
       <a:accent3>
-        <a:srgbClr val="FFFFFF"/>
+        <a:srgbClr val="9BBB59"/>
       </a:accent3>
       <a:accent4>
-        <a:srgbClr val="000000"/>
+        <a:srgbClr val="8064A2"/>
       </a:accent4>
       <a:accent5>
-        <a:srgbClr val="AAE2CA"/>
+        <a:srgbClr val="4BACC6"/>
       </a:accent5>
       <a:accent6>
-        <a:srgbClr val="2D2DB9"/>
+        <a:srgbClr val="F79646"/>
       </a:accent6>
       <a:hlink>
-        <a:srgbClr val="CCCCFF"/>
+        <a:srgbClr val="0000FF"/>
       </a:hlink>
       <a:folHlink>
-        <a:srgbClr val="B2B2B2"/>
+        <a:srgbClr val="800080"/>
       </a:folHlink>
     </a:clrScheme>
-    <a:fontScheme name="Projekt domyślny">
+    <a:fontScheme name="Office">
       <a:majorFont>
-        <a:latin typeface="Times New Roman"/>
+        <a:latin typeface="Calibri"/>
         <a:ea typeface=""/>
         <a:cs typeface=""/>
+        <a:font script="Jpan" typeface="ＭＳ Ｐゴシック"/>
+        <a:font script="Hang" typeface="맑은 고딕"/>
+        <a:font script="Hans" typeface="宋体"/>
+        <a:font script="Hant" typeface="新細明體"/>
+        <a:font script="Arab" typeface="Times New Roman"/>
+        <a:font script="Hebr" typeface="Times New Roman"/>
+        <a:font script="Thai" typeface="Angsana New"/>
+        <a:font script="Ethi" typeface="Nyala"/>
+        <a:font script="Beng" typeface="Vrinda"/>
+        <a:font script="Gujr" typeface="Shruti"/>
+        <a:font script="Khmr" typeface="MoolBoran"/>
+        <a:font script="Knda" typeface="Tunga"/>
+        <a:font script="Guru" typeface="Raavi"/>
+        <a:font script="Cans" typeface="Euphemia"/>
+        <a:font script="Cher" typeface="Plantagenet Cherokee"/>
+        <a:font script="Yiii" typeface="Microsoft Yi Baiti"/>
+        <a:font script="Tibt" typeface="Microsoft Himalaya"/>
+        <a:font script="Thaa" typeface="MV Boli"/>
+        <a:font script="Deva" typeface="Mangal"/>
+        <a:font script="Telu" typeface="Gautami"/>
+        <a:font script="Taml" typeface="Latha"/>
+        <a:font script="Syrc" typeface="Estrangelo Edessa"/>
+        <a:font script="Orya" typeface="Kalinga"/>
+        <a:font script="Mlym" typeface="Kartika"/>
+        <a:font script="Laoo" typeface="DokChampa"/>
+        <a:font script="Sinh" typeface="Iskoola Pota"/>
+        <a:font script="Mong" typeface="Mongolian Baiti"/>
+        <a:font script="Viet" typeface="Times New Roman"/>
+        <a:font script="Uigh" typeface="Microsoft Uighur"/>
       </a:majorFont>
       <a:minorFont>
-        <a:latin typeface="Times New Roman"/>
+        <a:latin typeface="Calibri"/>
         <a:ea typeface=""/>
         <a:cs typeface=""/>
+        <a:font script="Jpan" typeface="ＭＳ Ｐゴシック"/>
+        <a:font script="Hang" typeface="맑은 고딕"/>
+        <a:font script="Hans" typeface="宋体"/>
+        <a:font script="Hant" typeface="新細明體"/>
+        <a:font script="Arab" typeface="Arial"/>
+        <a:font script="Hebr" typeface="Arial"/>
+        <a:font script="Thai" typeface="Cordia New"/>
+        <a:font script="Ethi" typeface="Nyala"/>
+        <a:font script="Beng" typeface="Vrinda"/>
+        <a:font script="Gujr" typeface="Shruti"/>
+        <a:font script="Khmr" typeface="DaunPenh"/>
+        <a:font script="Knda" typeface="Tunga"/>
+        <a:font script="Guru" typeface="Raavi"/>
+        <a:font script="Cans" typeface="Euphemia"/>
+        <a:font script="Cher" typeface="Plantagenet Cherokee"/>
+        <a:font script="Yiii" typeface="Microsoft Yi Baiti"/>
+        <a:font script="Tibt" typeface="Microsoft Himalaya"/>
+        <a:font script="Thaa" typeface="MV Boli"/>
+        <a:font script="Deva" typeface="Mangal"/>
+        <a:font script="Telu" typeface="Gautami"/>
+        <a:font script="Taml" typeface="Latha"/>
+        <a:font script="Syrc" typeface="Estrangelo Edessa"/>
+        <a:font script="Orya" typeface="Kalinga"/>
+        <a:font script="Mlym" typeface="Kartika"/>
+        <a:font script="Laoo" typeface="DokChampa"/>
+        <a:font script="Sinh" typeface="Iskoola Pota"/>
+        <a:font script="Mong" typeface="Mongolian Baiti"/>
+        <a:font script="Viet" typeface="Arial"/>
+        <a:font script="Uigh" typeface="Microsoft Uighur"/>
       </a:minorFont>
     </a:fontScheme>
     <a:fmtScheme name="Office">
@@ -5864,295 +6618,7 @@
     </a:fmtScheme>
   </a:themeElements>
   <a:objectDefaults/>
-  <a:extraClrSchemeLst>
-    <a:extraClrScheme>
-      <a:clrScheme name="Projekt domyślny 1">
-        <a:dk1>
-          <a:srgbClr val="000000"/>
-        </a:dk1>
-        <a:lt1>
-          <a:srgbClr val="FFFFFF"/>
-        </a:lt1>
-        <a:dk2>
-          <a:srgbClr val="0000FF"/>
-        </a:dk2>
-        <a:lt2>
-          <a:srgbClr val="FFFF00"/>
-        </a:lt2>
-        <a:accent1>
-          <a:srgbClr val="FF9900"/>
-        </a:accent1>
-        <a:accent2>
-          <a:srgbClr val="00FFFF"/>
-        </a:accent2>
-        <a:accent3>
-          <a:srgbClr val="AAAAFF"/>
-        </a:accent3>
-        <a:accent4>
-          <a:srgbClr val="DADADA"/>
-        </a:accent4>
-        <a:accent5>
-          <a:srgbClr val="FFCAAA"/>
-        </a:accent5>
-        <a:accent6>
-          <a:srgbClr val="00E7E7"/>
-        </a:accent6>
-        <a:hlink>
-          <a:srgbClr val="FF0000"/>
-        </a:hlink>
-        <a:folHlink>
-          <a:srgbClr val="969696"/>
-        </a:folHlink>
-      </a:clrScheme>
-      <a:clrMap bg1="dk2" tx1="lt1" bg2="dk1" tx2="lt2" accent1="accent1" accent2="accent2" accent3="accent3" accent4="accent4" accent5="accent5" accent6="accent6" hlink="hlink" folHlink="folHlink"/>
-    </a:extraClrScheme>
-    <a:extraClrScheme>
-      <a:clrScheme name="Projekt domyślny 2">
-        <a:dk1>
-          <a:srgbClr val="000000"/>
-        </a:dk1>
-        <a:lt1>
-          <a:srgbClr val="FFFFFF"/>
-        </a:lt1>
-        <a:dk2>
-          <a:srgbClr val="000000"/>
-        </a:dk2>
-        <a:lt2>
-          <a:srgbClr val="808080"/>
-        </a:lt2>
-        <a:accent1>
-          <a:srgbClr val="00CC99"/>
-        </a:accent1>
-        <a:accent2>
-          <a:srgbClr val="3333CC"/>
-        </a:accent2>
-        <a:accent3>
-          <a:srgbClr val="FFFFFF"/>
-        </a:accent3>
-        <a:accent4>
-          <a:srgbClr val="000000"/>
-        </a:accent4>
-        <a:accent5>
-          <a:srgbClr val="AAE2CA"/>
-        </a:accent5>
-        <a:accent6>
-          <a:srgbClr val="2D2DB9"/>
-        </a:accent6>
-        <a:hlink>
-          <a:srgbClr val="CCCCFF"/>
-        </a:hlink>
-        <a:folHlink>
-          <a:srgbClr val="B2B2B2"/>
-        </a:folHlink>
-      </a:clrScheme>
-      <a:clrMap bg1="lt1" tx1="dk1" bg2="lt2" tx2="dk2" accent1="accent1" accent2="accent2" accent3="accent3" accent4="accent4" accent5="accent5" accent6="accent6" hlink="hlink" folHlink="folHlink"/>
-    </a:extraClrScheme>
-    <a:extraClrScheme>
-      <a:clrScheme name="Projekt domyślny 3">
-        <a:dk1>
-          <a:srgbClr val="000000"/>
-        </a:dk1>
-        <a:lt1>
-          <a:srgbClr val="FFFFFF"/>
-        </a:lt1>
-        <a:dk2>
-          <a:srgbClr val="000000"/>
-        </a:dk2>
-        <a:lt2>
-          <a:srgbClr val="333333"/>
-        </a:lt2>
-        <a:accent1>
-          <a:srgbClr val="DDDDDD"/>
-        </a:accent1>
-        <a:accent2>
-          <a:srgbClr val="808080"/>
-        </a:accent2>
-        <a:accent3>
-          <a:srgbClr val="FFFFFF"/>
-        </a:accent3>
-        <a:accent4>
-          <a:srgbClr val="000000"/>
-        </a:accent4>
-        <a:accent5>
-          <a:srgbClr val="EBEBEB"/>
-        </a:accent5>
-        <a:accent6>
-          <a:srgbClr val="737373"/>
-        </a:accent6>
-        <a:hlink>
-          <a:srgbClr val="4D4D4D"/>
-        </a:hlink>
-        <a:folHlink>
-          <a:srgbClr val="EAEAEA"/>
-        </a:folHlink>
-      </a:clrScheme>
-      <a:clrMap bg1="lt1" tx1="dk1" bg2="lt2" tx2="dk2" accent1="accent1" accent2="accent2" accent3="accent3" accent4="accent4" accent5="accent5" accent6="accent6" hlink="hlink" folHlink="folHlink"/>
-    </a:extraClrScheme>
-    <a:extraClrScheme>
-      <a:clrScheme name="Projekt domyślny 4">
-        <a:dk1>
-          <a:srgbClr val="000000"/>
-        </a:dk1>
-        <a:lt1>
-          <a:srgbClr val="FFFFCC"/>
-        </a:lt1>
-        <a:dk2>
-          <a:srgbClr val="808000"/>
-        </a:dk2>
-        <a:lt2>
-          <a:srgbClr val="666633"/>
-        </a:lt2>
-        <a:accent1>
-          <a:srgbClr val="339933"/>
-        </a:accent1>
-        <a:accent2>
-          <a:srgbClr val="800000"/>
-        </a:accent2>
-        <a:accent3>
-          <a:srgbClr val="FFFFE2"/>
-        </a:accent3>
-        <a:accent4>
-          <a:srgbClr val="000000"/>
-        </a:accent4>
-        <a:accent5>
-          <a:srgbClr val="ADCAAD"/>
-        </a:accent5>
-        <a:accent6>
-          <a:srgbClr val="730000"/>
-        </a:accent6>
-        <a:hlink>
-          <a:srgbClr val="0033CC"/>
-        </a:hlink>
-        <a:folHlink>
-          <a:srgbClr val="FFCC66"/>
-        </a:folHlink>
-      </a:clrScheme>
-      <a:clrMap bg1="lt1" tx1="dk1" bg2="lt2" tx2="dk2" accent1="accent1" accent2="accent2" accent3="accent3" accent4="accent4" accent5="accent5" accent6="accent6" hlink="hlink" folHlink="folHlink"/>
-    </a:extraClrScheme>
-    <a:extraClrScheme>
-      <a:clrScheme name="Projekt domyślny 5">
-        <a:dk1>
-          <a:srgbClr val="000000"/>
-        </a:dk1>
-        <a:lt1>
-          <a:srgbClr val="FFFFFF"/>
-        </a:lt1>
-        <a:dk2>
-          <a:srgbClr val="000000"/>
-        </a:dk2>
-        <a:lt2>
-          <a:srgbClr val="808080"/>
-        </a:lt2>
-        <a:accent1>
-          <a:srgbClr val="FFCC66"/>
-        </a:accent1>
-        <a:accent2>
-          <a:srgbClr val="0000FF"/>
-        </a:accent2>
-        <a:accent3>
-          <a:srgbClr val="FFFFFF"/>
-        </a:accent3>
-        <a:accent4>
-          <a:srgbClr val="000000"/>
-        </a:accent4>
-        <a:accent5>
-          <a:srgbClr val="FFE2B8"/>
-        </a:accent5>
-        <a:accent6>
-          <a:srgbClr val="0000E7"/>
-        </a:accent6>
-        <a:hlink>
-          <a:srgbClr val="CC00CC"/>
-        </a:hlink>
-        <a:folHlink>
-          <a:srgbClr val="C0C0C0"/>
-        </a:folHlink>
-      </a:clrScheme>
-      <a:clrMap bg1="lt1" tx1="dk1" bg2="lt2" tx2="dk2" accent1="accent1" accent2="accent2" accent3="accent3" accent4="accent4" accent5="accent5" accent6="accent6" hlink="hlink" folHlink="folHlink"/>
-    </a:extraClrScheme>
-    <a:extraClrScheme>
-      <a:clrScheme name="Projekt domyślny 6">
-        <a:dk1>
-          <a:srgbClr val="000000"/>
-        </a:dk1>
-        <a:lt1>
-          <a:srgbClr val="FFFFFF"/>
-        </a:lt1>
-        <a:dk2>
-          <a:srgbClr val="000000"/>
-        </a:dk2>
-        <a:lt2>
-          <a:srgbClr val="808080"/>
-        </a:lt2>
-        <a:accent1>
-          <a:srgbClr val="C0C0C0"/>
-        </a:accent1>
-        <a:accent2>
-          <a:srgbClr val="0066FF"/>
-        </a:accent2>
-        <a:accent3>
-          <a:srgbClr val="FFFFFF"/>
-        </a:accent3>
-        <a:accent4>
-          <a:srgbClr val="000000"/>
-        </a:accent4>
-        <a:accent5>
-          <a:srgbClr val="DCDCDC"/>
-        </a:accent5>
-        <a:accent6>
-          <a:srgbClr val="005CE7"/>
-        </a:accent6>
-        <a:hlink>
-          <a:srgbClr val="FF0000"/>
-        </a:hlink>
-        <a:folHlink>
-          <a:srgbClr val="009900"/>
-        </a:folHlink>
-      </a:clrScheme>
-      <a:clrMap bg1="lt1" tx1="dk1" bg2="lt2" tx2="dk2" accent1="accent1" accent2="accent2" accent3="accent3" accent4="accent4" accent5="accent5" accent6="accent6" hlink="hlink" folHlink="folHlink"/>
-    </a:extraClrScheme>
-    <a:extraClrScheme>
-      <a:clrScheme name="Projekt domyślny 7">
-        <a:dk1>
-          <a:srgbClr val="000000"/>
-        </a:dk1>
-        <a:lt1>
-          <a:srgbClr val="FFFFFF"/>
-        </a:lt1>
-        <a:dk2>
-          <a:srgbClr val="000000"/>
-        </a:dk2>
-        <a:lt2>
-          <a:srgbClr val="808080"/>
-        </a:lt2>
-        <a:accent1>
-          <a:srgbClr val="3399FF"/>
-        </a:accent1>
-        <a:accent2>
-          <a:srgbClr val="99FFCC"/>
-        </a:accent2>
-        <a:accent3>
-          <a:srgbClr val="FFFFFF"/>
-        </a:accent3>
-        <a:accent4>
-          <a:srgbClr val="000000"/>
-        </a:accent4>
-        <a:accent5>
-          <a:srgbClr val="ADCAFF"/>
-        </a:accent5>
-        <a:accent6>
-          <a:srgbClr val="8AE7B9"/>
-        </a:accent6>
-        <a:hlink>
-          <a:srgbClr val="CC00CC"/>
-        </a:hlink>
-        <a:folHlink>
-          <a:srgbClr val="B2B2B2"/>
-        </a:folHlink>
-      </a:clrScheme>
-      <a:clrMap bg1="lt1" tx1="dk1" bg2="lt2" tx2="dk2" accent1="accent1" accent2="accent2" accent3="accent3" accent4="accent4" accent5="accent5" accent6="accent6" hlink="hlink" folHlink="folHlink"/>
-    </a:extraClrScheme>
-  </a:extraClrSchemeLst>
+  <a:extraClrSchemeLst/>
 </a:theme>
 </file>
 
@@ -6434,4 +6900,284 @@
   <a:objectDefaults/>
   <a:extraClrSchemeLst/>
 </a:theme>
+</file>
+
+<file path=ppt/theme/theme3.xml><?xml version="1.0" encoding="utf-8"?>
+<a:theme xmlns:a="http://schemas.openxmlformats.org/drawingml/2006/3/main" name="Office Theme">
+  <a:themeElements>
+    <a:clrScheme name="Office">
+      <a:dk1>
+        <a:sysClr val="windowText"/>
+      </a:dk1>
+      <a:lt1>
+        <a:sysClr val="window"/>
+      </a:lt1>
+      <a:dk2>
+        <a:srgbClr val="1F497D"/>
+      </a:dk2>
+      <a:lt2>
+        <a:srgbClr val="EEECE1"/>
+      </a:lt2>
+      <a:accent1>
+        <a:srgbClr val="4F81BD"/>
+      </a:accent1>
+      <a:accent2>
+        <a:srgbClr val="C0504D"/>
+      </a:accent2>
+      <a:accent3>
+        <a:srgbClr val="9BBB59"/>
+      </a:accent3>
+      <a:accent4>
+        <a:srgbClr val="8064A2"/>
+      </a:accent4>
+      <a:accent5>
+        <a:srgbClr val="4BACC6"/>
+      </a:accent5>
+      <a:accent6>
+        <a:srgbClr val="F79646"/>
+      </a:accent6>
+      <a:hlink>
+        <a:srgbClr val="0000FF"/>
+      </a:hlink>
+      <a:folHlink>
+        <a:srgbClr val="800080"/>
+      </a:folHlink>
+    </a:clrScheme>
+    <a:fontScheme name="Office">
+      <a:majorFont>
+        <a:latin typeface="Calibri"/>
+        <a:ea typeface=""/>
+        <a:cs typeface=""/>
+        <a:font script="Jpan" typeface="ＭＳ Ｐゴシック"/>
+        <a:font script="Hang" typeface="맑은 고딕"/>
+        <a:font script="Hans" typeface="宋体"/>
+        <a:font script="Hant" typeface="新細明體"/>
+        <a:font script="Arab" typeface="Times New Roman"/>
+        <a:font script="Hebr" typeface="Times New Roman"/>
+        <a:font script="Thai" typeface="Angsana New"/>
+        <a:font script="Ethi" typeface="Nyala"/>
+        <a:font script="Beng" typeface="Vrinda"/>
+        <a:font script="Gujr" typeface="Shruti"/>
+        <a:font script="Khmr" typeface="MoolBoran"/>
+        <a:font script="Knda" typeface="Tunga"/>
+        <a:font script="Guru" typeface="Raavi"/>
+        <a:font script="Cans" typeface="Euphemia"/>
+        <a:font script="Cher" typeface="Plantagenet Cherokee"/>
+        <a:font script="Yiii" typeface="Microsoft Yi Baiti"/>
+        <a:font script="Tibt" typeface="Microsoft Himalaya"/>
+        <a:font script="Thaa" typeface="MV Boli"/>
+        <a:font script="Deva" typeface="Mangal"/>
+        <a:font script="Telu" typeface="Gautami"/>
+        <a:font script="Taml" typeface="Latha"/>
+        <a:font script="Syrc" typeface="Estrangelo Edessa"/>
+        <a:font script="Orya" typeface="Kalinga"/>
+        <a:font script="Mlym" typeface="Kartika"/>
+        <a:font script="Laoo" typeface="DokChampa"/>
+        <a:font script="Sinh" typeface="Iskoola Pota"/>
+        <a:font script="Mong" typeface="Mongolian Baiti"/>
+        <a:font script="Viet" typeface="Times New Roman"/>
+        <a:font script="Uigh" typeface="Microsoft Uighur"/>
+      </a:majorFont>
+      <a:minorFont>
+        <a:latin typeface="Calibri"/>
+        <a:ea typeface=""/>
+        <a:cs typeface=""/>
+        <a:font script="Jpan" typeface="ＭＳ Ｐゴシック"/>
+        <a:font script="Hang" typeface="맑은 고딕"/>
+        <a:font script="Hans" typeface="宋体"/>
+        <a:font script="Hant" typeface="新細明體"/>
+        <a:font script="Arab" typeface="Arial"/>
+        <a:font script="Hebr" typeface="Arial"/>
+        <a:font script="Thai" typeface="Cordia New"/>
+        <a:font script="Ethi" typeface="Nyala"/>
+        <a:font script="Beng" typeface="Vrinda"/>
+        <a:font script="Gujr" typeface="Shruti"/>
+        <a:font script="Khmr" typeface="DaunPenh"/>
+        <a:font script="Knda" typeface="Tunga"/>
+        <a:font script="Guru" typeface="Raavi"/>
+        <a:font script="Cans" typeface="Euphemia"/>
+        <a:font script="Cher" typeface="Plantagenet Cherokee"/>
+        <a:font script="Yiii" typeface="Microsoft Yi Baiti"/>
+        <a:font script="Tibt" typeface="Microsoft Himalaya"/>
+        <a:font script="Thaa" typeface="MV Boli"/>
+        <a:font script="Deva" typeface="Mangal"/>
+        <a:font script="Telu" typeface="Gautami"/>
+        <a:font script="Taml" typeface="Latha"/>
+        <a:font script="Syrc" typeface="Estrangelo Edessa"/>
+        <a:font script="Orya" typeface="Kalinga"/>
+        <a:font script="Mlym" typeface="Kartika"/>
+        <a:font script="Laoo" typeface="DokChampa"/>
+        <a:font script="Sinh" typeface="Iskoola Pota"/>
+        <a:font script="Mong" typeface="Mongolian Baiti"/>
+        <a:font script="Viet" typeface="Arial"/>
+        <a:font script="Uigh" typeface="Microsoft Uighur"/>
+      </a:minorFont>
+    </a:fontScheme>
+    <a:fmtScheme name="Office">
+      <a:fillStyleLst>
+        <a:solidFill>
+          <a:schemeClr val="phClr"/>
+        </a:solidFill>
+        <a:gradFill rotWithShape="1">
+          <a:gsLst>
+            <a:gs pos="0">
+              <a:schemeClr val="phClr">
+                <a:tint val="50000"/>
+                <a:satMod val="300000"/>
+              </a:schemeClr>
+            </a:gs>
+            <a:gs pos="35000">
+              <a:schemeClr val="phClr">
+                <a:tint val="37000"/>
+                <a:satMod val="300000"/>
+              </a:schemeClr>
+            </a:gs>
+            <a:gs pos="100000">
+              <a:schemeClr val="phClr">
+                <a:tint val="15000"/>
+                <a:satMod val="350000"/>
+              </a:schemeClr>
+            </a:gs>
+          </a:gsLst>
+          <a:lin ang="16200000" scaled="1"/>
+        </a:gradFill>
+        <a:gradFill rotWithShape="1">
+          <a:gsLst>
+            <a:gs pos="0">
+              <a:schemeClr val="phClr">
+                <a:shade val="40000"/>
+                <a:satMod val="155000"/>
+              </a:schemeClr>
+            </a:gs>
+            <a:gs pos="65000">
+              <a:schemeClr val="phClr">
+                <a:shade val="85000"/>
+                <a:satMod val="155000"/>
+              </a:schemeClr>
+            </a:gs>
+            <a:gs pos="100000">
+              <a:schemeClr val="phClr">
+                <a:shade val="95000"/>
+                <a:satMod val="155000"/>
+              </a:schemeClr>
+            </a:gs>
+          </a:gsLst>
+          <a:lin ang="16200000" scaled="0"/>
+        </a:gradFill>
+      </a:fillStyleLst>
+      <a:lnStyleLst>
+        <a:ln w="6350" cap="rnd" cmpd="sng" algn="ctr">
+          <a:solidFill>
+            <a:schemeClr val="phClr">
+              <a:shade val="95000"/>
+              <a:satMod val="105000"/>
+            </a:schemeClr>
+          </a:solidFill>
+          <a:prstDash val="solid"/>
+        </a:ln>
+        <a:ln w="25400" cap="rnd" cmpd="sng" algn="ctr">
+          <a:solidFill>
+            <a:schemeClr val="phClr"/>
+          </a:solidFill>
+          <a:prstDash val="solid"/>
+        </a:ln>
+        <a:ln w="34925" cap="rnd" cmpd="sng" algn="ctr">
+          <a:solidFill>
+            <a:schemeClr val="phClr"/>
+          </a:solidFill>
+          <a:prstDash val="solid"/>
+        </a:ln>
+      </a:lnStyleLst>
+      <a:effectStyleLst>
+        <a:effectStyle>
+          <a:effectLst>
+            <a:outerShdw blurRad="50800" algn="tl" rotWithShape="0">
+              <a:srgbClr val="000000">
+                <a:alpha val="64000"/>
+              </a:srgbClr>
+            </a:outerShdw>
+          </a:effectLst>
+        </a:effectStyle>
+        <a:effectStyle>
+          <a:effectLst>
+            <a:outerShdw blurRad="39000" dist="25400" dir="5400000">
+              <a:srgbClr val="000000">
+                <a:alpha val="35000"/>
+              </a:srgbClr>
+            </a:outerShdw>
+          </a:effectLst>
+        </a:effectStyle>
+        <a:effectStyle>
+          <a:effectLst>
+            <a:outerShdw blurRad="39000" dist="25400" dir="5400000">
+              <a:srgbClr val="000000">
+                <a:alpha val="35000"/>
+              </a:srgbClr>
+            </a:outerShdw>
+          </a:effectLst>
+          <a:scene3d>
+            <a:camera prst="orthographicFront" fov="0">
+              <a:rot lat="0" lon="0" rev="0"/>
+            </a:camera>
+            <a:lightRig rig="threePt" dir="t">
+              <a:rot lat="0" lon="0" rev="0"/>
+            </a:lightRig>
+          </a:scene3d>
+          <a:sp3d prstMaterial="matte">
+            <a:bevelT h="22225"/>
+          </a:sp3d>
+        </a:effectStyle>
+      </a:effectStyleLst>
+      <a:bgFillStyleLst>
+        <a:solidFill>
+          <a:schemeClr val="phClr"/>
+        </a:solidFill>
+        <a:gradFill rotWithShape="1">
+          <a:gsLst>
+            <a:gs pos="0">
+              <a:schemeClr val="phClr">
+                <a:shade val="50000"/>
+                <a:satMod val="155000"/>
+              </a:schemeClr>
+            </a:gs>
+            <a:gs pos="35000">
+              <a:schemeClr val="phClr">
+                <a:shade val="75000"/>
+                <a:satMod val="155000"/>
+              </a:schemeClr>
+            </a:gs>
+            <a:gs pos="100000">
+              <a:schemeClr val="phClr">
+                <a:tint val="80000"/>
+                <a:satMod val="255000"/>
+              </a:schemeClr>
+            </a:gs>
+          </a:gsLst>
+          <a:lin ang="16200000" scaled="0"/>
+        </a:gradFill>
+        <a:gradFill rotWithShape="1">
+          <a:gsLst>
+            <a:gs pos="0">
+              <a:schemeClr val="phClr">
+                <a:tint val="80000"/>
+                <a:satMod val="300000"/>
+              </a:schemeClr>
+            </a:gs>
+            <a:gs pos="100000">
+              <a:schemeClr val="phClr">
+                <a:shade val="30000"/>
+                <a:satMod val="200000"/>
+              </a:schemeClr>
+            </a:gs>
+          </a:gsLst>
+          <a:path path="circle">
+            <a:fillToRect l="100000" t="100000" r="100000" b="100000"/>
+          </a:path>
+        </a:gradFill>
+      </a:bgFillStyleLst>
+    </a:fmtScheme>
+  </a:themeElements>
+  <a:objectDefaults/>
+  <a:extraClrSchemeLst/>
+</a:theme>
 </file>